--- a/thesis/ukapp2/wqu_isc/puremaths/ISC_PureMaths0301.pptx
+++ b/thesis/ukapp2/wqu_isc/puremaths/ISC_PureMaths0301.pptx
@@ -5,17 +5,21 @@
     <p:sldMasterId id="2147483659" r:id="rId1"/>
   </p:sldMasterIdLst>
   <p:notesMasterIdLst>
-    <p:notesMasterId r:id="rId10"/>
+    <p:notesMasterId r:id="rId14"/>
   </p:notesMasterIdLst>
   <p:sldIdLst>
     <p:sldId id="256" r:id="rId2"/>
     <p:sldId id="257" r:id="rId3"/>
-    <p:sldId id="258" r:id="rId4"/>
+    <p:sldId id="264" r:id="rId4"/>
     <p:sldId id="259" r:id="rId5"/>
     <p:sldId id="260" r:id="rId6"/>
     <p:sldId id="261" r:id="rId7"/>
-    <p:sldId id="262" r:id="rId8"/>
-    <p:sldId id="263" r:id="rId9"/>
+    <p:sldId id="266" r:id="rId8"/>
+    <p:sldId id="262" r:id="rId9"/>
+    <p:sldId id="263" r:id="rId10"/>
+    <p:sldId id="267" r:id="rId11"/>
+    <p:sldId id="265" r:id="rId12"/>
+    <p:sldId id="268" r:id="rId13"/>
   </p:sldIdLst>
   <p:sldSz cx="9144000" cy="5143500" type="screen16x9"/>
   <p:notesSz cx="6858000" cy="9144000"/>
@@ -737,8 +741,8 @@
         </p:nvSpPr>
         <p:spPr>
           <a:xfrm>
-            <a:off x="381300" y="685800"/>
-            <a:ext cx="6096075" cy="3429000"/>
+            <a:off x="381000" y="685800"/>
+            <a:ext cx="6096000" cy="3429000"/>
           </a:xfrm>
           <a:custGeom>
             <a:avLst/>
@@ -812,7 +816,7 @@
 </p:notes>
 </file>
 
-<file path=ppt/notesSlides/notesSlide2.xml><?xml version="1.0" encoding="utf-8"?>
+<file path=ppt/notesSlides/notesSlide10.xml><?xml version="1.0" encoding="utf-8"?>
 <p:notes xmlns:a="http://schemas.openxmlformats.org/drawingml/2006/main" xmlns:r="http://schemas.openxmlformats.org/officeDocument/2006/relationships" xmlns:p="http://schemas.openxmlformats.org/presentationml/2006/main" showMasterSp="0" showMasterPhAnim="0">
   <p:cSld>
     <p:spTree>
@@ -841,7 +845,7 @@
         </p:nvSpPr>
         <p:spPr>
           <a:xfrm>
-            <a:off x="381300" y="685800"/>
+            <a:off x="381000" y="685800"/>
             <a:ext cx="6096000" cy="3429000"/>
           </a:xfrm>
           <a:custGeom>
@@ -1289,6 +1293,11 @@
         </p:txBody>
       </p:sp>
     </p:spTree>
+    <p:extLst>
+      <p:ext uri="{BB962C8B-B14F-4D97-AF65-F5344CB8AC3E}">
+        <p14:creationId xmlns:p14="http://schemas.microsoft.com/office/powerpoint/2010/main" val="1095070075"/>
+      </p:ext>
+    </p:extLst>
   </p:cSld>
   <p:clrMapOvr>
     <a:masterClrMapping/>
@@ -1296,12 +1305,12 @@
 </p:notes>
 </file>
 
-<file path=ppt/notesSlides/notesSlide3.xml><?xml version="1.0" encoding="utf-8"?>
+<file path=ppt/notesSlides/notesSlide11.xml><?xml version="1.0" encoding="utf-8"?>
 <p:notes xmlns:a="http://schemas.openxmlformats.org/drawingml/2006/main" xmlns:r="http://schemas.openxmlformats.org/officeDocument/2006/relationships" xmlns:p="http://schemas.openxmlformats.org/presentationml/2006/main" showMasterSp="0" showMasterPhAnim="0">
   <p:cSld>
     <p:spTree>
       <p:nvGrpSpPr>
-        <p:cNvPr id="1" name="Shape 62"/>
+        <p:cNvPr id="1" name="Shape 56"/>
         <p:cNvGrpSpPr/>
         <p:nvPr/>
       </p:nvGrpSpPr>
@@ -1315,7 +1324,7 @@
       </p:grpSpPr>
       <p:sp>
         <p:nvSpPr>
-          <p:cNvPr id="63" name="Google Shape;63;gb7daff44f9_1_0:notes"/>
+          <p:cNvPr id="57" name="Google Shape;57;gb6183d3e7e_0_0:notes"/>
           <p:cNvSpPr>
             <a:spLocks noGrp="1" noRot="1" noChangeAspect="1"/>
           </p:cNvSpPr>
@@ -1325,7 +1334,7 @@
         </p:nvSpPr>
         <p:spPr>
           <a:xfrm>
-            <a:off x="381300" y="685800"/>
+            <a:off x="381000" y="685800"/>
             <a:ext cx="6096000" cy="3429000"/>
           </a:xfrm>
           <a:custGeom>
@@ -1356,7 +1365,7 @@
       </p:sp>
       <p:sp>
         <p:nvSpPr>
-          <p:cNvPr id="64" name="Google Shape;64;gb7daff44f9_1_0:notes"/>
+          <p:cNvPr id="58" name="Google Shape;58;gb6183d3e7e_0_0:notes"/>
           <p:cNvSpPr txBox="1">
             <a:spLocks noGrp="1"/>
           </p:cNvSpPr>
@@ -1773,6 +1782,1093 @@
         </p:txBody>
       </p:sp>
     </p:spTree>
+    <p:extLst>
+      <p:ext uri="{BB962C8B-B14F-4D97-AF65-F5344CB8AC3E}">
+        <p14:creationId xmlns:p14="http://schemas.microsoft.com/office/powerpoint/2010/main" val="2461516492"/>
+      </p:ext>
+    </p:extLst>
+  </p:cSld>
+  <p:clrMapOvr>
+    <a:masterClrMapping/>
+  </p:clrMapOvr>
+</p:notes>
+</file>
+
+<file path=ppt/notesSlides/notesSlide12.xml><?xml version="1.0" encoding="utf-8"?>
+<p:notes xmlns:a="http://schemas.openxmlformats.org/drawingml/2006/main" xmlns:r="http://schemas.openxmlformats.org/officeDocument/2006/relationships" xmlns:p="http://schemas.openxmlformats.org/presentationml/2006/main" showMasterSp="0" showMasterPhAnim="0">
+  <p:cSld>
+    <p:spTree>
+      <p:nvGrpSpPr>
+        <p:cNvPr id="1" name="Shape 95"/>
+        <p:cNvGrpSpPr/>
+        <p:nvPr/>
+      </p:nvGrpSpPr>
+      <p:grpSpPr>
+        <a:xfrm>
+          <a:off x="0" y="0"/>
+          <a:ext cx="0" cy="0"/>
+          <a:chOff x="0" y="0"/>
+          <a:chExt cx="0" cy="0"/>
+        </a:xfrm>
+      </p:grpSpPr>
+      <p:sp>
+        <p:nvSpPr>
+          <p:cNvPr id="96" name="Google Shape;96;gb7df08da6d_0_126:notes"/>
+          <p:cNvSpPr>
+            <a:spLocks noGrp="1" noRot="1" noChangeAspect="1"/>
+          </p:cNvSpPr>
+          <p:nvPr>
+            <p:ph type="sldImg" idx="2"/>
+          </p:nvPr>
+        </p:nvSpPr>
+        <p:spPr>
+          <a:xfrm>
+            <a:off x="381000" y="685800"/>
+            <a:ext cx="6096000" cy="3429000"/>
+          </a:xfrm>
+          <a:custGeom>
+            <a:avLst/>
+            <a:gdLst/>
+            <a:ahLst/>
+            <a:cxnLst/>
+            <a:rect l="l" t="t" r="r" b="b"/>
+            <a:pathLst>
+              <a:path w="120000" h="120000" extrusionOk="0">
+                <a:moveTo>
+                  <a:pt x="0" y="0"/>
+                </a:moveTo>
+                <a:lnTo>
+                  <a:pt x="120000" y="0"/>
+                </a:lnTo>
+                <a:lnTo>
+                  <a:pt x="120000" y="120000"/>
+                </a:lnTo>
+                <a:lnTo>
+                  <a:pt x="0" y="120000"/>
+                </a:lnTo>
+                <a:close/>
+              </a:path>
+            </a:pathLst>
+          </a:custGeom>
+        </p:spPr>
+      </p:sp>
+      <p:sp>
+        <p:nvSpPr>
+          <p:cNvPr id="97" name="Google Shape;97;gb7df08da6d_0_126:notes"/>
+          <p:cNvSpPr txBox="1">
+            <a:spLocks noGrp="1"/>
+          </p:cNvSpPr>
+          <p:nvPr>
+            <p:ph type="body" idx="1"/>
+          </p:nvPr>
+        </p:nvSpPr>
+        <p:spPr>
+          <a:xfrm>
+            <a:off x="685800" y="4343400"/>
+            <a:ext cx="5486400" cy="4114800"/>
+          </a:xfrm>
+          <a:prstGeom prst="rect">
+            <a:avLst/>
+          </a:prstGeom>
+        </p:spPr>
+        <p:txBody>
+          <a:bodyPr spcFirstLastPara="1" wrap="square" lIns="91425" tIns="91425" rIns="91425" bIns="91425" anchor="t" anchorCtr="0">
+            <a:noAutofit/>
+          </a:bodyPr>
+          <a:lstStyle/>
+          <a:p>
+            <a:pPr marL="0" lvl="0" indent="0" algn="l" rtl="0">
+              <a:spcBef>
+                <a:spcPts val="0"/>
+              </a:spcBef>
+              <a:spcAft>
+                <a:spcPts val="0"/>
+              </a:spcAft>
+              <a:buNone/>
+            </a:pPr>
+            <a:endParaRPr/>
+          </a:p>
+        </p:txBody>
+      </p:sp>
+    </p:spTree>
+    <p:extLst>
+      <p:ext uri="{BB962C8B-B14F-4D97-AF65-F5344CB8AC3E}">
+        <p14:creationId xmlns:p14="http://schemas.microsoft.com/office/powerpoint/2010/main" val="2482755407"/>
+      </p:ext>
+    </p:extLst>
+  </p:cSld>
+  <p:clrMapOvr>
+    <a:masterClrMapping/>
+  </p:clrMapOvr>
+</p:notes>
+</file>
+
+<file path=ppt/notesSlides/notesSlide2.xml><?xml version="1.0" encoding="utf-8"?>
+<p:notes xmlns:a="http://schemas.openxmlformats.org/drawingml/2006/main" xmlns:r="http://schemas.openxmlformats.org/officeDocument/2006/relationships" xmlns:p="http://schemas.openxmlformats.org/presentationml/2006/main" showMasterSp="0" showMasterPhAnim="0">
+  <p:cSld>
+    <p:spTree>
+      <p:nvGrpSpPr>
+        <p:cNvPr id="1" name="Shape 56"/>
+        <p:cNvGrpSpPr/>
+        <p:nvPr/>
+      </p:nvGrpSpPr>
+      <p:grpSpPr>
+        <a:xfrm>
+          <a:off x="0" y="0"/>
+          <a:ext cx="0" cy="0"/>
+          <a:chOff x="0" y="0"/>
+          <a:chExt cx="0" cy="0"/>
+        </a:xfrm>
+      </p:grpSpPr>
+      <p:sp>
+        <p:nvSpPr>
+          <p:cNvPr id="57" name="Google Shape;57;gb6183d3e7e_0_0:notes"/>
+          <p:cNvSpPr>
+            <a:spLocks noGrp="1" noRot="1" noChangeAspect="1"/>
+          </p:cNvSpPr>
+          <p:nvPr>
+            <p:ph type="sldImg" idx="2"/>
+          </p:nvPr>
+        </p:nvSpPr>
+        <p:spPr>
+          <a:xfrm>
+            <a:off x="381000" y="685800"/>
+            <a:ext cx="6096000" cy="3429000"/>
+          </a:xfrm>
+          <a:custGeom>
+            <a:avLst/>
+            <a:gdLst/>
+            <a:ahLst/>
+            <a:cxnLst/>
+            <a:rect l="l" t="t" r="r" b="b"/>
+            <a:pathLst>
+              <a:path w="120000" h="120000" extrusionOk="0">
+                <a:moveTo>
+                  <a:pt x="0" y="0"/>
+                </a:moveTo>
+                <a:lnTo>
+                  <a:pt x="120000" y="0"/>
+                </a:lnTo>
+                <a:lnTo>
+                  <a:pt x="120000" y="120000"/>
+                </a:lnTo>
+                <a:lnTo>
+                  <a:pt x="0" y="120000"/>
+                </a:lnTo>
+                <a:close/>
+              </a:path>
+            </a:pathLst>
+          </a:custGeom>
+        </p:spPr>
+      </p:sp>
+      <p:sp>
+        <p:nvSpPr>
+          <p:cNvPr id="58" name="Google Shape;58;gb6183d3e7e_0_0:notes"/>
+          <p:cNvSpPr txBox="1">
+            <a:spLocks noGrp="1"/>
+          </p:cNvSpPr>
+          <p:nvPr>
+            <p:ph type="body" idx="1"/>
+          </p:nvPr>
+        </p:nvSpPr>
+        <p:spPr>
+          <a:xfrm>
+            <a:off x="685800" y="4343400"/>
+            <a:ext cx="5486400" cy="4114800"/>
+          </a:xfrm>
+          <a:prstGeom prst="rect">
+            <a:avLst/>
+          </a:prstGeom>
+        </p:spPr>
+        <p:txBody>
+          <a:bodyPr spcFirstLastPara="1" wrap="square" lIns="91425" tIns="91425" rIns="91425" bIns="91425" anchor="t" anchorCtr="0">
+            <a:noAutofit/>
+          </a:bodyPr>
+          <a:lstStyle/>
+          <a:p>
+            <a:pPr marL="457200" lvl="0" indent="-285750" algn="l" rtl="0">
+              <a:lnSpc>
+                <a:spcPct val="115000"/>
+              </a:lnSpc>
+              <a:spcBef>
+                <a:spcPts val="1200"/>
+              </a:spcBef>
+              <a:spcAft>
+                <a:spcPts val="0"/>
+              </a:spcAft>
+              <a:buClr>
+                <a:schemeClr val="dk1"/>
+              </a:buClr>
+              <a:buSzPts val="900"/>
+              <a:buFont typeface="Verdana"/>
+              <a:buAutoNum type="arabicPeriod"/>
+            </a:pPr>
+            <a:r>
+              <a:rPr lang="en" sz="900">
+                <a:solidFill>
+                  <a:schemeClr val="dk1"/>
+                </a:solidFill>
+                <a:latin typeface="Verdana"/>
+                <a:ea typeface="Verdana"/>
+                <a:cs typeface="Verdana"/>
+                <a:sym typeface="Verdana"/>
+              </a:rPr>
+              <a:t>Define positive and negative numbers</a:t>
+            </a:r>
+            <a:endParaRPr sz="900">
+              <a:solidFill>
+                <a:schemeClr val="dk1"/>
+              </a:solidFill>
+              <a:latin typeface="Verdana"/>
+              <a:ea typeface="Verdana"/>
+              <a:cs typeface="Verdana"/>
+              <a:sym typeface="Verdana"/>
+            </a:endParaRPr>
+          </a:p>
+          <a:p>
+            <a:pPr marL="457200" lvl="0" indent="-285750" algn="l" rtl="0">
+              <a:lnSpc>
+                <a:spcPct val="115000"/>
+              </a:lnSpc>
+              <a:spcBef>
+                <a:spcPts val="0"/>
+              </a:spcBef>
+              <a:spcAft>
+                <a:spcPts val="0"/>
+              </a:spcAft>
+              <a:buClr>
+                <a:schemeClr val="dk1"/>
+              </a:buClr>
+              <a:buSzPts val="900"/>
+              <a:buFont typeface="Verdana"/>
+              <a:buAutoNum type="arabicPeriod"/>
+            </a:pPr>
+            <a:r>
+              <a:rPr lang="en" sz="900">
+                <a:solidFill>
+                  <a:schemeClr val="dk1"/>
+                </a:solidFill>
+                <a:latin typeface="Verdana"/>
+                <a:ea typeface="Verdana"/>
+                <a:cs typeface="Verdana"/>
+                <a:sym typeface="Verdana"/>
+              </a:rPr>
+              <a:t>Round decimal places and significant figures</a:t>
+            </a:r>
+            <a:endParaRPr sz="900">
+              <a:solidFill>
+                <a:schemeClr val="dk1"/>
+              </a:solidFill>
+              <a:latin typeface="Verdana"/>
+              <a:ea typeface="Verdana"/>
+              <a:cs typeface="Verdana"/>
+              <a:sym typeface="Verdana"/>
+            </a:endParaRPr>
+          </a:p>
+          <a:p>
+            <a:pPr marL="457200" lvl="0" indent="-285750" algn="l" rtl="0">
+              <a:lnSpc>
+                <a:spcPct val="115000"/>
+              </a:lnSpc>
+              <a:spcBef>
+                <a:spcPts val="0"/>
+              </a:spcBef>
+              <a:spcAft>
+                <a:spcPts val="0"/>
+              </a:spcAft>
+              <a:buClr>
+                <a:schemeClr val="dk1"/>
+              </a:buClr>
+              <a:buSzPts val="900"/>
+              <a:buFont typeface="Verdana"/>
+              <a:buAutoNum type="arabicPeriod"/>
+            </a:pPr>
+            <a:r>
+              <a:rPr lang="en" sz="900">
+                <a:solidFill>
+                  <a:schemeClr val="dk1"/>
+                </a:solidFill>
+                <a:latin typeface="Verdana"/>
+                <a:ea typeface="Verdana"/>
+                <a:cs typeface="Verdana"/>
+                <a:sym typeface="Verdana"/>
+              </a:rPr>
+              <a:t>Use the 4 rules with fractions</a:t>
+            </a:r>
+            <a:endParaRPr sz="900">
+              <a:solidFill>
+                <a:schemeClr val="dk1"/>
+              </a:solidFill>
+              <a:latin typeface="Verdana"/>
+              <a:ea typeface="Verdana"/>
+              <a:cs typeface="Verdana"/>
+              <a:sym typeface="Verdana"/>
+            </a:endParaRPr>
+          </a:p>
+          <a:p>
+            <a:pPr marL="457200" lvl="0" indent="-285750" algn="l" rtl="0">
+              <a:lnSpc>
+                <a:spcPct val="115000"/>
+              </a:lnSpc>
+              <a:spcBef>
+                <a:spcPts val="0"/>
+              </a:spcBef>
+              <a:spcAft>
+                <a:spcPts val="0"/>
+              </a:spcAft>
+              <a:buClr>
+                <a:schemeClr val="dk1"/>
+              </a:buClr>
+              <a:buSzPts val="900"/>
+              <a:buFont typeface="Verdana"/>
+              <a:buAutoNum type="arabicPeriod"/>
+            </a:pPr>
+            <a:r>
+              <a:rPr lang="en" sz="900">
+                <a:solidFill>
+                  <a:schemeClr val="dk1"/>
+                </a:solidFill>
+                <a:latin typeface="Verdana"/>
+                <a:ea typeface="Verdana"/>
+                <a:cs typeface="Verdana"/>
+                <a:sym typeface="Verdana"/>
+              </a:rPr>
+              <a:t>Solve problems involving decimals and percentages</a:t>
+            </a:r>
+            <a:endParaRPr sz="900">
+              <a:solidFill>
+                <a:schemeClr val="dk1"/>
+              </a:solidFill>
+              <a:latin typeface="Verdana"/>
+              <a:ea typeface="Verdana"/>
+              <a:cs typeface="Verdana"/>
+              <a:sym typeface="Verdana"/>
+            </a:endParaRPr>
+          </a:p>
+          <a:p>
+            <a:pPr marL="457200" lvl="0" indent="-285750" algn="l" rtl="0">
+              <a:lnSpc>
+                <a:spcPct val="115000"/>
+              </a:lnSpc>
+              <a:spcBef>
+                <a:spcPts val="0"/>
+              </a:spcBef>
+              <a:spcAft>
+                <a:spcPts val="0"/>
+              </a:spcAft>
+              <a:buClr>
+                <a:schemeClr val="dk1"/>
+              </a:buClr>
+              <a:buSzPts val="900"/>
+              <a:buFont typeface="Verdana"/>
+              <a:buAutoNum type="arabicPeriod"/>
+            </a:pPr>
+            <a:r>
+              <a:rPr lang="en" sz="900">
+                <a:solidFill>
+                  <a:schemeClr val="dk1"/>
+                </a:solidFill>
+                <a:latin typeface="Verdana"/>
+                <a:ea typeface="Verdana"/>
+                <a:cs typeface="Verdana"/>
+                <a:sym typeface="Verdana"/>
+              </a:rPr>
+              <a:t>Evaluate standard form</a:t>
+            </a:r>
+            <a:endParaRPr sz="900">
+              <a:solidFill>
+                <a:schemeClr val="dk1"/>
+              </a:solidFill>
+              <a:latin typeface="Verdana"/>
+              <a:ea typeface="Verdana"/>
+              <a:cs typeface="Verdana"/>
+              <a:sym typeface="Verdana"/>
+            </a:endParaRPr>
+          </a:p>
+          <a:p>
+            <a:pPr marL="457200" lvl="0" indent="-285750" algn="l" rtl="0">
+              <a:lnSpc>
+                <a:spcPct val="115000"/>
+              </a:lnSpc>
+              <a:spcBef>
+                <a:spcPts val="0"/>
+              </a:spcBef>
+              <a:spcAft>
+                <a:spcPts val="0"/>
+              </a:spcAft>
+              <a:buClr>
+                <a:schemeClr val="dk1"/>
+              </a:buClr>
+              <a:buSzPts val="900"/>
+              <a:buFont typeface="Verdana"/>
+              <a:buAutoNum type="arabicPeriod"/>
+            </a:pPr>
+            <a:r>
+              <a:rPr lang="en" sz="900">
+                <a:solidFill>
+                  <a:schemeClr val="dk1"/>
+                </a:solidFill>
+                <a:latin typeface="Verdana"/>
+                <a:ea typeface="Verdana"/>
+                <a:cs typeface="Verdana"/>
+                <a:sym typeface="Verdana"/>
+              </a:rPr>
+              <a:t>Solve Percentage increase and decrease</a:t>
+            </a:r>
+            <a:endParaRPr sz="900">
+              <a:solidFill>
+                <a:schemeClr val="dk1"/>
+              </a:solidFill>
+              <a:latin typeface="Verdana"/>
+              <a:ea typeface="Verdana"/>
+              <a:cs typeface="Verdana"/>
+              <a:sym typeface="Verdana"/>
+            </a:endParaRPr>
+          </a:p>
+          <a:p>
+            <a:pPr marL="457200" lvl="0" indent="-285750" algn="l" rtl="0">
+              <a:lnSpc>
+                <a:spcPct val="115000"/>
+              </a:lnSpc>
+              <a:spcBef>
+                <a:spcPts val="0"/>
+              </a:spcBef>
+              <a:spcAft>
+                <a:spcPts val="0"/>
+              </a:spcAft>
+              <a:buClr>
+                <a:schemeClr val="dk1"/>
+              </a:buClr>
+              <a:buSzPts val="900"/>
+              <a:buFont typeface="Verdana"/>
+              <a:buAutoNum type="arabicPeriod"/>
+            </a:pPr>
+            <a:r>
+              <a:rPr lang="en" sz="900">
+                <a:solidFill>
+                  <a:schemeClr val="dk1"/>
+                </a:solidFill>
+                <a:latin typeface="Verdana"/>
+                <a:ea typeface="Verdana"/>
+                <a:cs typeface="Verdana"/>
+                <a:sym typeface="Verdana"/>
+              </a:rPr>
+              <a:t>Evaluate Profit and loss</a:t>
+            </a:r>
+            <a:endParaRPr sz="900">
+              <a:solidFill>
+                <a:schemeClr val="dk1"/>
+              </a:solidFill>
+              <a:latin typeface="Verdana"/>
+              <a:ea typeface="Verdana"/>
+              <a:cs typeface="Verdana"/>
+              <a:sym typeface="Verdana"/>
+            </a:endParaRPr>
+          </a:p>
+          <a:p>
+            <a:pPr marL="457200" lvl="0" indent="-285750" algn="l" rtl="0">
+              <a:lnSpc>
+                <a:spcPct val="115000"/>
+              </a:lnSpc>
+              <a:spcBef>
+                <a:spcPts val="0"/>
+              </a:spcBef>
+              <a:spcAft>
+                <a:spcPts val="0"/>
+              </a:spcAft>
+              <a:buClr>
+                <a:schemeClr val="dk1"/>
+              </a:buClr>
+              <a:buSzPts val="900"/>
+              <a:buFont typeface="Verdana"/>
+              <a:buAutoNum type="arabicPeriod"/>
+            </a:pPr>
+            <a:r>
+              <a:rPr lang="en" sz="900">
+                <a:solidFill>
+                  <a:schemeClr val="dk1"/>
+                </a:solidFill>
+                <a:latin typeface="Verdana"/>
+                <a:ea typeface="Verdana"/>
+                <a:cs typeface="Verdana"/>
+                <a:sym typeface="Verdana"/>
+              </a:rPr>
+              <a:t>Explain Value Added Tax (VAT)</a:t>
+            </a:r>
+            <a:endParaRPr sz="900">
+              <a:solidFill>
+                <a:schemeClr val="dk1"/>
+              </a:solidFill>
+              <a:latin typeface="Verdana"/>
+              <a:ea typeface="Verdana"/>
+              <a:cs typeface="Verdana"/>
+              <a:sym typeface="Verdana"/>
+            </a:endParaRPr>
+          </a:p>
+          <a:p>
+            <a:pPr marL="457200" lvl="0" indent="-285750" algn="l" rtl="0">
+              <a:lnSpc>
+                <a:spcPct val="115000"/>
+              </a:lnSpc>
+              <a:spcBef>
+                <a:spcPts val="0"/>
+              </a:spcBef>
+              <a:spcAft>
+                <a:spcPts val="0"/>
+              </a:spcAft>
+              <a:buClr>
+                <a:schemeClr val="dk1"/>
+              </a:buClr>
+              <a:buSzPts val="900"/>
+              <a:buFont typeface="Verdana"/>
+              <a:buAutoNum type="arabicPeriod"/>
+            </a:pPr>
+            <a:r>
+              <a:rPr lang="en" sz="900">
+                <a:solidFill>
+                  <a:schemeClr val="dk1"/>
+                </a:solidFill>
+                <a:latin typeface="Verdana"/>
+                <a:ea typeface="Verdana"/>
+                <a:cs typeface="Verdana"/>
+                <a:sym typeface="Verdana"/>
+              </a:rPr>
+              <a:t>Interpret simple and compound interest</a:t>
+            </a:r>
+            <a:endParaRPr sz="900">
+              <a:solidFill>
+                <a:schemeClr val="dk1"/>
+              </a:solidFill>
+              <a:latin typeface="Verdana"/>
+              <a:ea typeface="Verdana"/>
+              <a:cs typeface="Verdana"/>
+              <a:sym typeface="Verdana"/>
+            </a:endParaRPr>
+          </a:p>
+          <a:p>
+            <a:pPr marL="457200" lvl="0" indent="-285750" algn="l" rtl="0">
+              <a:lnSpc>
+                <a:spcPct val="115000"/>
+              </a:lnSpc>
+              <a:spcBef>
+                <a:spcPts val="0"/>
+              </a:spcBef>
+              <a:spcAft>
+                <a:spcPts val="0"/>
+              </a:spcAft>
+              <a:buClr>
+                <a:schemeClr val="dk1"/>
+              </a:buClr>
+              <a:buSzPts val="900"/>
+              <a:buFont typeface="Verdana"/>
+              <a:buAutoNum type="arabicPeriod"/>
+            </a:pPr>
+            <a:r>
+              <a:rPr lang="en" sz="900">
+                <a:solidFill>
+                  <a:schemeClr val="dk1"/>
+                </a:solidFill>
+                <a:latin typeface="Verdana"/>
+                <a:ea typeface="Verdana"/>
+                <a:cs typeface="Verdana"/>
+                <a:sym typeface="Verdana"/>
+              </a:rPr>
+              <a:t>Solve problems involving ratios and proportion</a:t>
+            </a:r>
+            <a:endParaRPr sz="900"/>
+          </a:p>
+        </p:txBody>
+      </p:sp>
+    </p:spTree>
+  </p:cSld>
+  <p:clrMapOvr>
+    <a:masterClrMapping/>
+  </p:clrMapOvr>
+</p:notes>
+</file>
+
+<file path=ppt/notesSlides/notesSlide3.xml><?xml version="1.0" encoding="utf-8"?>
+<p:notes xmlns:a="http://schemas.openxmlformats.org/drawingml/2006/main" xmlns:r="http://schemas.openxmlformats.org/officeDocument/2006/relationships" xmlns:p="http://schemas.openxmlformats.org/presentationml/2006/main" showMasterSp="0" showMasterPhAnim="0">
+  <p:cSld>
+    <p:spTree>
+      <p:nvGrpSpPr>
+        <p:cNvPr id="1" name="Shape 56"/>
+        <p:cNvGrpSpPr/>
+        <p:nvPr/>
+      </p:nvGrpSpPr>
+      <p:grpSpPr>
+        <a:xfrm>
+          <a:off x="0" y="0"/>
+          <a:ext cx="0" cy="0"/>
+          <a:chOff x="0" y="0"/>
+          <a:chExt cx="0" cy="0"/>
+        </a:xfrm>
+      </p:grpSpPr>
+      <p:sp>
+        <p:nvSpPr>
+          <p:cNvPr id="57" name="Google Shape;57;gb6183d3e7e_0_0:notes"/>
+          <p:cNvSpPr>
+            <a:spLocks noGrp="1" noRot="1" noChangeAspect="1"/>
+          </p:cNvSpPr>
+          <p:nvPr>
+            <p:ph type="sldImg" idx="2"/>
+          </p:nvPr>
+        </p:nvSpPr>
+        <p:spPr>
+          <a:xfrm>
+            <a:off x="381000" y="685800"/>
+            <a:ext cx="6096000" cy="3429000"/>
+          </a:xfrm>
+          <a:custGeom>
+            <a:avLst/>
+            <a:gdLst/>
+            <a:ahLst/>
+            <a:cxnLst/>
+            <a:rect l="l" t="t" r="r" b="b"/>
+            <a:pathLst>
+              <a:path w="120000" h="120000" extrusionOk="0">
+                <a:moveTo>
+                  <a:pt x="0" y="0"/>
+                </a:moveTo>
+                <a:lnTo>
+                  <a:pt x="120000" y="0"/>
+                </a:lnTo>
+                <a:lnTo>
+                  <a:pt x="120000" y="120000"/>
+                </a:lnTo>
+                <a:lnTo>
+                  <a:pt x="0" y="120000"/>
+                </a:lnTo>
+                <a:close/>
+              </a:path>
+            </a:pathLst>
+          </a:custGeom>
+        </p:spPr>
+      </p:sp>
+      <p:sp>
+        <p:nvSpPr>
+          <p:cNvPr id="58" name="Google Shape;58;gb6183d3e7e_0_0:notes"/>
+          <p:cNvSpPr txBox="1">
+            <a:spLocks noGrp="1"/>
+          </p:cNvSpPr>
+          <p:nvPr>
+            <p:ph type="body" idx="1"/>
+          </p:nvPr>
+        </p:nvSpPr>
+        <p:spPr>
+          <a:xfrm>
+            <a:off x="685800" y="4343400"/>
+            <a:ext cx="5486400" cy="4114800"/>
+          </a:xfrm>
+          <a:prstGeom prst="rect">
+            <a:avLst/>
+          </a:prstGeom>
+        </p:spPr>
+        <p:txBody>
+          <a:bodyPr spcFirstLastPara="1" wrap="square" lIns="91425" tIns="91425" rIns="91425" bIns="91425" anchor="t" anchorCtr="0">
+            <a:noAutofit/>
+          </a:bodyPr>
+          <a:lstStyle/>
+          <a:p>
+            <a:pPr marL="457200" lvl="0" indent="-285750" algn="l" rtl="0">
+              <a:lnSpc>
+                <a:spcPct val="115000"/>
+              </a:lnSpc>
+              <a:spcBef>
+                <a:spcPts val="1200"/>
+              </a:spcBef>
+              <a:spcAft>
+                <a:spcPts val="0"/>
+              </a:spcAft>
+              <a:buClr>
+                <a:schemeClr val="dk1"/>
+              </a:buClr>
+              <a:buSzPts val="900"/>
+              <a:buFont typeface="Verdana"/>
+              <a:buAutoNum type="arabicPeriod"/>
+            </a:pPr>
+            <a:r>
+              <a:rPr lang="en" sz="900">
+                <a:solidFill>
+                  <a:schemeClr val="dk1"/>
+                </a:solidFill>
+                <a:latin typeface="Verdana"/>
+                <a:ea typeface="Verdana"/>
+                <a:cs typeface="Verdana"/>
+                <a:sym typeface="Verdana"/>
+              </a:rPr>
+              <a:t>Define positive and negative numbers</a:t>
+            </a:r>
+            <a:endParaRPr sz="900">
+              <a:solidFill>
+                <a:schemeClr val="dk1"/>
+              </a:solidFill>
+              <a:latin typeface="Verdana"/>
+              <a:ea typeface="Verdana"/>
+              <a:cs typeface="Verdana"/>
+              <a:sym typeface="Verdana"/>
+            </a:endParaRPr>
+          </a:p>
+          <a:p>
+            <a:pPr marL="457200" lvl="0" indent="-285750" algn="l" rtl="0">
+              <a:lnSpc>
+                <a:spcPct val="115000"/>
+              </a:lnSpc>
+              <a:spcBef>
+                <a:spcPts val="0"/>
+              </a:spcBef>
+              <a:spcAft>
+                <a:spcPts val="0"/>
+              </a:spcAft>
+              <a:buClr>
+                <a:schemeClr val="dk1"/>
+              </a:buClr>
+              <a:buSzPts val="900"/>
+              <a:buFont typeface="Verdana"/>
+              <a:buAutoNum type="arabicPeriod"/>
+            </a:pPr>
+            <a:r>
+              <a:rPr lang="en" sz="900">
+                <a:solidFill>
+                  <a:schemeClr val="dk1"/>
+                </a:solidFill>
+                <a:latin typeface="Verdana"/>
+                <a:ea typeface="Verdana"/>
+                <a:cs typeface="Verdana"/>
+                <a:sym typeface="Verdana"/>
+              </a:rPr>
+              <a:t>Round decimal places and significant figures</a:t>
+            </a:r>
+            <a:endParaRPr sz="900">
+              <a:solidFill>
+                <a:schemeClr val="dk1"/>
+              </a:solidFill>
+              <a:latin typeface="Verdana"/>
+              <a:ea typeface="Verdana"/>
+              <a:cs typeface="Verdana"/>
+              <a:sym typeface="Verdana"/>
+            </a:endParaRPr>
+          </a:p>
+          <a:p>
+            <a:pPr marL="457200" lvl="0" indent="-285750" algn="l" rtl="0">
+              <a:lnSpc>
+                <a:spcPct val="115000"/>
+              </a:lnSpc>
+              <a:spcBef>
+                <a:spcPts val="0"/>
+              </a:spcBef>
+              <a:spcAft>
+                <a:spcPts val="0"/>
+              </a:spcAft>
+              <a:buClr>
+                <a:schemeClr val="dk1"/>
+              </a:buClr>
+              <a:buSzPts val="900"/>
+              <a:buFont typeface="Verdana"/>
+              <a:buAutoNum type="arabicPeriod"/>
+            </a:pPr>
+            <a:r>
+              <a:rPr lang="en" sz="900">
+                <a:solidFill>
+                  <a:schemeClr val="dk1"/>
+                </a:solidFill>
+                <a:latin typeface="Verdana"/>
+                <a:ea typeface="Verdana"/>
+                <a:cs typeface="Verdana"/>
+                <a:sym typeface="Verdana"/>
+              </a:rPr>
+              <a:t>Use the 4 rules with fractions</a:t>
+            </a:r>
+            <a:endParaRPr sz="900">
+              <a:solidFill>
+                <a:schemeClr val="dk1"/>
+              </a:solidFill>
+              <a:latin typeface="Verdana"/>
+              <a:ea typeface="Verdana"/>
+              <a:cs typeface="Verdana"/>
+              <a:sym typeface="Verdana"/>
+            </a:endParaRPr>
+          </a:p>
+          <a:p>
+            <a:pPr marL="457200" lvl="0" indent="-285750" algn="l" rtl="0">
+              <a:lnSpc>
+                <a:spcPct val="115000"/>
+              </a:lnSpc>
+              <a:spcBef>
+                <a:spcPts val="0"/>
+              </a:spcBef>
+              <a:spcAft>
+                <a:spcPts val="0"/>
+              </a:spcAft>
+              <a:buClr>
+                <a:schemeClr val="dk1"/>
+              </a:buClr>
+              <a:buSzPts val="900"/>
+              <a:buFont typeface="Verdana"/>
+              <a:buAutoNum type="arabicPeriod"/>
+            </a:pPr>
+            <a:r>
+              <a:rPr lang="en" sz="900">
+                <a:solidFill>
+                  <a:schemeClr val="dk1"/>
+                </a:solidFill>
+                <a:latin typeface="Verdana"/>
+                <a:ea typeface="Verdana"/>
+                <a:cs typeface="Verdana"/>
+                <a:sym typeface="Verdana"/>
+              </a:rPr>
+              <a:t>Solve problems involving decimals and percentages</a:t>
+            </a:r>
+            <a:endParaRPr sz="900">
+              <a:solidFill>
+                <a:schemeClr val="dk1"/>
+              </a:solidFill>
+              <a:latin typeface="Verdana"/>
+              <a:ea typeface="Verdana"/>
+              <a:cs typeface="Verdana"/>
+              <a:sym typeface="Verdana"/>
+            </a:endParaRPr>
+          </a:p>
+          <a:p>
+            <a:pPr marL="457200" lvl="0" indent="-285750" algn="l" rtl="0">
+              <a:lnSpc>
+                <a:spcPct val="115000"/>
+              </a:lnSpc>
+              <a:spcBef>
+                <a:spcPts val="0"/>
+              </a:spcBef>
+              <a:spcAft>
+                <a:spcPts val="0"/>
+              </a:spcAft>
+              <a:buClr>
+                <a:schemeClr val="dk1"/>
+              </a:buClr>
+              <a:buSzPts val="900"/>
+              <a:buFont typeface="Verdana"/>
+              <a:buAutoNum type="arabicPeriod"/>
+            </a:pPr>
+            <a:r>
+              <a:rPr lang="en" sz="900">
+                <a:solidFill>
+                  <a:schemeClr val="dk1"/>
+                </a:solidFill>
+                <a:latin typeface="Verdana"/>
+                <a:ea typeface="Verdana"/>
+                <a:cs typeface="Verdana"/>
+                <a:sym typeface="Verdana"/>
+              </a:rPr>
+              <a:t>Evaluate standard form</a:t>
+            </a:r>
+            <a:endParaRPr sz="900">
+              <a:solidFill>
+                <a:schemeClr val="dk1"/>
+              </a:solidFill>
+              <a:latin typeface="Verdana"/>
+              <a:ea typeface="Verdana"/>
+              <a:cs typeface="Verdana"/>
+              <a:sym typeface="Verdana"/>
+            </a:endParaRPr>
+          </a:p>
+          <a:p>
+            <a:pPr marL="457200" lvl="0" indent="-285750" algn="l" rtl="0">
+              <a:lnSpc>
+                <a:spcPct val="115000"/>
+              </a:lnSpc>
+              <a:spcBef>
+                <a:spcPts val="0"/>
+              </a:spcBef>
+              <a:spcAft>
+                <a:spcPts val="0"/>
+              </a:spcAft>
+              <a:buClr>
+                <a:schemeClr val="dk1"/>
+              </a:buClr>
+              <a:buSzPts val="900"/>
+              <a:buFont typeface="Verdana"/>
+              <a:buAutoNum type="arabicPeriod"/>
+            </a:pPr>
+            <a:r>
+              <a:rPr lang="en" sz="900">
+                <a:solidFill>
+                  <a:schemeClr val="dk1"/>
+                </a:solidFill>
+                <a:latin typeface="Verdana"/>
+                <a:ea typeface="Verdana"/>
+                <a:cs typeface="Verdana"/>
+                <a:sym typeface="Verdana"/>
+              </a:rPr>
+              <a:t>Solve Percentage increase and decrease</a:t>
+            </a:r>
+            <a:endParaRPr sz="900">
+              <a:solidFill>
+                <a:schemeClr val="dk1"/>
+              </a:solidFill>
+              <a:latin typeface="Verdana"/>
+              <a:ea typeface="Verdana"/>
+              <a:cs typeface="Verdana"/>
+              <a:sym typeface="Verdana"/>
+            </a:endParaRPr>
+          </a:p>
+          <a:p>
+            <a:pPr marL="457200" lvl="0" indent="-285750" algn="l" rtl="0">
+              <a:lnSpc>
+                <a:spcPct val="115000"/>
+              </a:lnSpc>
+              <a:spcBef>
+                <a:spcPts val="0"/>
+              </a:spcBef>
+              <a:spcAft>
+                <a:spcPts val="0"/>
+              </a:spcAft>
+              <a:buClr>
+                <a:schemeClr val="dk1"/>
+              </a:buClr>
+              <a:buSzPts val="900"/>
+              <a:buFont typeface="Verdana"/>
+              <a:buAutoNum type="arabicPeriod"/>
+            </a:pPr>
+            <a:r>
+              <a:rPr lang="en" sz="900">
+                <a:solidFill>
+                  <a:schemeClr val="dk1"/>
+                </a:solidFill>
+                <a:latin typeface="Verdana"/>
+                <a:ea typeface="Verdana"/>
+                <a:cs typeface="Verdana"/>
+                <a:sym typeface="Verdana"/>
+              </a:rPr>
+              <a:t>Evaluate Profit and loss</a:t>
+            </a:r>
+            <a:endParaRPr sz="900">
+              <a:solidFill>
+                <a:schemeClr val="dk1"/>
+              </a:solidFill>
+              <a:latin typeface="Verdana"/>
+              <a:ea typeface="Verdana"/>
+              <a:cs typeface="Verdana"/>
+              <a:sym typeface="Verdana"/>
+            </a:endParaRPr>
+          </a:p>
+          <a:p>
+            <a:pPr marL="457200" lvl="0" indent="-285750" algn="l" rtl="0">
+              <a:lnSpc>
+                <a:spcPct val="115000"/>
+              </a:lnSpc>
+              <a:spcBef>
+                <a:spcPts val="0"/>
+              </a:spcBef>
+              <a:spcAft>
+                <a:spcPts val="0"/>
+              </a:spcAft>
+              <a:buClr>
+                <a:schemeClr val="dk1"/>
+              </a:buClr>
+              <a:buSzPts val="900"/>
+              <a:buFont typeface="Verdana"/>
+              <a:buAutoNum type="arabicPeriod"/>
+            </a:pPr>
+            <a:r>
+              <a:rPr lang="en" sz="900">
+                <a:solidFill>
+                  <a:schemeClr val="dk1"/>
+                </a:solidFill>
+                <a:latin typeface="Verdana"/>
+                <a:ea typeface="Verdana"/>
+                <a:cs typeface="Verdana"/>
+                <a:sym typeface="Verdana"/>
+              </a:rPr>
+              <a:t>Explain Value Added Tax (VAT)</a:t>
+            </a:r>
+            <a:endParaRPr sz="900">
+              <a:solidFill>
+                <a:schemeClr val="dk1"/>
+              </a:solidFill>
+              <a:latin typeface="Verdana"/>
+              <a:ea typeface="Verdana"/>
+              <a:cs typeface="Verdana"/>
+              <a:sym typeface="Verdana"/>
+            </a:endParaRPr>
+          </a:p>
+          <a:p>
+            <a:pPr marL="457200" lvl="0" indent="-285750" algn="l" rtl="0">
+              <a:lnSpc>
+                <a:spcPct val="115000"/>
+              </a:lnSpc>
+              <a:spcBef>
+                <a:spcPts val="0"/>
+              </a:spcBef>
+              <a:spcAft>
+                <a:spcPts val="0"/>
+              </a:spcAft>
+              <a:buClr>
+                <a:schemeClr val="dk1"/>
+              </a:buClr>
+              <a:buSzPts val="900"/>
+              <a:buFont typeface="Verdana"/>
+              <a:buAutoNum type="arabicPeriod"/>
+            </a:pPr>
+            <a:r>
+              <a:rPr lang="en" sz="900">
+                <a:solidFill>
+                  <a:schemeClr val="dk1"/>
+                </a:solidFill>
+                <a:latin typeface="Verdana"/>
+                <a:ea typeface="Verdana"/>
+                <a:cs typeface="Verdana"/>
+                <a:sym typeface="Verdana"/>
+              </a:rPr>
+              <a:t>Interpret simple and compound interest</a:t>
+            </a:r>
+            <a:endParaRPr sz="900">
+              <a:solidFill>
+                <a:schemeClr val="dk1"/>
+              </a:solidFill>
+              <a:latin typeface="Verdana"/>
+              <a:ea typeface="Verdana"/>
+              <a:cs typeface="Verdana"/>
+              <a:sym typeface="Verdana"/>
+            </a:endParaRPr>
+          </a:p>
+          <a:p>
+            <a:pPr marL="457200" lvl="0" indent="-285750" algn="l" rtl="0">
+              <a:lnSpc>
+                <a:spcPct val="115000"/>
+              </a:lnSpc>
+              <a:spcBef>
+                <a:spcPts val="0"/>
+              </a:spcBef>
+              <a:spcAft>
+                <a:spcPts val="0"/>
+              </a:spcAft>
+              <a:buClr>
+                <a:schemeClr val="dk1"/>
+              </a:buClr>
+              <a:buSzPts val="900"/>
+              <a:buFont typeface="Verdana"/>
+              <a:buAutoNum type="arabicPeriod"/>
+            </a:pPr>
+            <a:r>
+              <a:rPr lang="en" sz="900">
+                <a:solidFill>
+                  <a:schemeClr val="dk1"/>
+                </a:solidFill>
+                <a:latin typeface="Verdana"/>
+                <a:ea typeface="Verdana"/>
+                <a:cs typeface="Verdana"/>
+                <a:sym typeface="Verdana"/>
+              </a:rPr>
+              <a:t>Solve problems involving ratios and proportion</a:t>
+            </a:r>
+            <a:endParaRPr sz="900"/>
+          </a:p>
+        </p:txBody>
+      </p:sp>
+    </p:spTree>
+    <p:extLst>
+      <p:ext uri="{BB962C8B-B14F-4D97-AF65-F5344CB8AC3E}">
+        <p14:creationId xmlns:p14="http://schemas.microsoft.com/office/powerpoint/2010/main" val="3698118015"/>
+      </p:ext>
+    </p:extLst>
   </p:cSld>
   <p:clrMapOvr>
     <a:masterClrMapping/>
@@ -1809,7 +2905,7 @@
         </p:nvSpPr>
         <p:spPr>
           <a:xfrm>
-            <a:off x="381300" y="685800"/>
+            <a:off x="381000" y="685800"/>
             <a:ext cx="6096000" cy="3429000"/>
           </a:xfrm>
           <a:custGeom>
@@ -2017,7 +3113,7 @@
         </p:nvSpPr>
         <p:spPr>
           <a:xfrm>
-            <a:off x="381300" y="685800"/>
+            <a:off x="381000" y="685800"/>
             <a:ext cx="6096000" cy="3429000"/>
           </a:xfrm>
           <a:custGeom>
@@ -2501,7 +3597,7 @@
         </p:nvSpPr>
         <p:spPr>
           <a:xfrm>
-            <a:off x="381300" y="685800"/>
+            <a:off x="381000" y="685800"/>
             <a:ext cx="6096000" cy="3429000"/>
           </a:xfrm>
           <a:custGeom>
@@ -2569,6 +3665,11 @@
         </p:txBody>
       </p:sp>
     </p:spTree>
+    <p:extLst>
+      <p:ext uri="{BB962C8B-B14F-4D97-AF65-F5344CB8AC3E}">
+        <p14:creationId xmlns:p14="http://schemas.microsoft.com/office/powerpoint/2010/main" val="2210392831"/>
+      </p:ext>
+    </p:extLst>
   </p:cSld>
   <p:clrMapOvr>
     <a:masterClrMapping/>
@@ -2577,6 +3678,110 @@
 </file>
 
 <file path=ppt/notesSlides/notesSlide8.xml><?xml version="1.0" encoding="utf-8"?>
+<p:notes xmlns:a="http://schemas.openxmlformats.org/drawingml/2006/main" xmlns:r="http://schemas.openxmlformats.org/officeDocument/2006/relationships" xmlns:p="http://schemas.openxmlformats.org/presentationml/2006/main" showMasterSp="0" showMasterPhAnim="0">
+  <p:cSld>
+    <p:spTree>
+      <p:nvGrpSpPr>
+        <p:cNvPr id="1" name="Shape 88"/>
+        <p:cNvGrpSpPr/>
+        <p:nvPr/>
+      </p:nvGrpSpPr>
+      <p:grpSpPr>
+        <a:xfrm>
+          <a:off x="0" y="0"/>
+          <a:ext cx="0" cy="0"/>
+          <a:chOff x="0" y="0"/>
+          <a:chExt cx="0" cy="0"/>
+        </a:xfrm>
+      </p:grpSpPr>
+      <p:sp>
+        <p:nvSpPr>
+          <p:cNvPr id="89" name="Google Shape;89;gb6183d3e7e_0_13:notes"/>
+          <p:cNvSpPr>
+            <a:spLocks noGrp="1" noRot="1" noChangeAspect="1"/>
+          </p:cNvSpPr>
+          <p:nvPr>
+            <p:ph type="sldImg" idx="2"/>
+          </p:nvPr>
+        </p:nvSpPr>
+        <p:spPr>
+          <a:xfrm>
+            <a:off x="381000" y="685800"/>
+            <a:ext cx="6096000" cy="3429000"/>
+          </a:xfrm>
+          <a:custGeom>
+            <a:avLst/>
+            <a:gdLst/>
+            <a:ahLst/>
+            <a:cxnLst/>
+            <a:rect l="l" t="t" r="r" b="b"/>
+            <a:pathLst>
+              <a:path w="120000" h="120000" extrusionOk="0">
+                <a:moveTo>
+                  <a:pt x="0" y="0"/>
+                </a:moveTo>
+                <a:lnTo>
+                  <a:pt x="120000" y="0"/>
+                </a:lnTo>
+                <a:lnTo>
+                  <a:pt x="120000" y="120000"/>
+                </a:lnTo>
+                <a:lnTo>
+                  <a:pt x="0" y="120000"/>
+                </a:lnTo>
+                <a:close/>
+              </a:path>
+            </a:pathLst>
+          </a:custGeom>
+        </p:spPr>
+      </p:sp>
+      <p:sp>
+        <p:nvSpPr>
+          <p:cNvPr id="90" name="Google Shape;90;gb6183d3e7e_0_13:notes"/>
+          <p:cNvSpPr txBox="1">
+            <a:spLocks noGrp="1"/>
+          </p:cNvSpPr>
+          <p:nvPr>
+            <p:ph type="body" idx="1"/>
+          </p:nvPr>
+        </p:nvSpPr>
+        <p:spPr>
+          <a:xfrm>
+            <a:off x="685800" y="4343400"/>
+            <a:ext cx="5486400" cy="4114800"/>
+          </a:xfrm>
+          <a:prstGeom prst="rect">
+            <a:avLst/>
+          </a:prstGeom>
+        </p:spPr>
+        <p:txBody>
+          <a:bodyPr spcFirstLastPara="1" wrap="square" lIns="91425" tIns="91425" rIns="91425" bIns="91425" anchor="t" anchorCtr="0">
+            <a:noAutofit/>
+          </a:bodyPr>
+          <a:lstStyle/>
+          <a:p>
+            <a:pPr marL="0" lvl="0" indent="0" algn="l" rtl="0">
+              <a:spcBef>
+                <a:spcPts val="0"/>
+              </a:spcBef>
+              <a:spcAft>
+                <a:spcPts val="0"/>
+              </a:spcAft>
+              <a:buNone/>
+            </a:pPr>
+            <a:endParaRPr/>
+          </a:p>
+        </p:txBody>
+      </p:sp>
+    </p:spTree>
+  </p:cSld>
+  <p:clrMapOvr>
+    <a:masterClrMapping/>
+  </p:clrMapOvr>
+</p:notes>
+</file>
+
+<file path=ppt/notesSlides/notesSlide9.xml><?xml version="1.0" encoding="utf-8"?>
 <p:notes xmlns:a="http://schemas.openxmlformats.org/drawingml/2006/main" xmlns:r="http://schemas.openxmlformats.org/officeDocument/2006/relationships" xmlns:p="http://schemas.openxmlformats.org/presentationml/2006/main" showMasterSp="0" showMasterPhAnim="0">
   <p:cSld>
     <p:spTree>
@@ -7467,7 +8672,7 @@
         </p:spPr>
         <p:txBody>
           <a:bodyPr spcFirstLastPara="1" wrap="square" lIns="91425" tIns="91425" rIns="91425" bIns="91425" anchor="b" anchorCtr="0">
-            <a:normAutofit/>
+            <a:normAutofit fontScale="90000"/>
           </a:bodyPr>
           <a:lstStyle/>
           <a:p>
@@ -7481,10 +8686,10 @@
               <a:buNone/>
             </a:pPr>
             <a:r>
-              <a:rPr lang="en"/>
-              <a:t>Pure Maths - Numbers - Fractions and Decimals</a:t>
+              <a:rPr lang="en" dirty="0"/>
+              <a:t>Pure Maths – Algebra II – Simultaneous and Quadratics</a:t>
             </a:r>
-            <a:endParaRPr/>
+            <a:endParaRPr dirty="0"/>
           </a:p>
         </p:txBody>
       </p:sp>
@@ -7509,7 +8714,7 @@
         </p:spPr>
         <p:txBody>
           <a:bodyPr spcFirstLastPara="1" wrap="square" lIns="91425" tIns="91425" rIns="91425" bIns="91425" anchor="t" anchorCtr="0">
-            <a:normAutofit fontScale="62500" lnSpcReduction="20000"/>
+            <a:normAutofit fontScale="55000" lnSpcReduction="20000"/>
           </a:bodyPr>
           <a:lstStyle/>
           <a:p>
@@ -7560,6 +8765,545 @@
         </p:txBody>
       </p:sp>
     </p:spTree>
+  </p:cSld>
+  <p:clrMapOvr>
+    <a:masterClrMapping/>
+  </p:clrMapOvr>
+</p:sld>
+</file>
+
+<file path=ppt/slides/slide10.xml><?xml version="1.0" encoding="utf-8"?>
+<p:sld xmlns:a="http://schemas.openxmlformats.org/drawingml/2006/main" xmlns:r="http://schemas.openxmlformats.org/officeDocument/2006/relationships" xmlns:p="http://schemas.openxmlformats.org/presentationml/2006/main">
+  <p:cSld>
+    <p:spTree>
+      <p:nvGrpSpPr>
+        <p:cNvPr id="1" name="Shape 59"/>
+        <p:cNvGrpSpPr/>
+        <p:nvPr/>
+      </p:nvGrpSpPr>
+      <p:grpSpPr>
+        <a:xfrm>
+          <a:off x="0" y="0"/>
+          <a:ext cx="0" cy="0"/>
+          <a:chOff x="0" y="0"/>
+          <a:chExt cx="0" cy="0"/>
+        </a:xfrm>
+      </p:grpSpPr>
+      <p:sp>
+        <p:nvSpPr>
+          <p:cNvPr id="60" name="Google Shape;60;p14"/>
+          <p:cNvSpPr txBox="1">
+            <a:spLocks noGrp="1"/>
+          </p:cNvSpPr>
+          <p:nvPr>
+            <p:ph type="title"/>
+          </p:nvPr>
+        </p:nvSpPr>
+        <p:spPr>
+          <a:xfrm>
+            <a:off x="311700" y="445025"/>
+            <a:ext cx="8520600" cy="572700"/>
+          </a:xfrm>
+          <a:prstGeom prst="rect">
+            <a:avLst/>
+          </a:prstGeom>
+        </p:spPr>
+        <p:txBody>
+          <a:bodyPr spcFirstLastPara="1" wrap="square" lIns="91425" tIns="91425" rIns="91425" bIns="91425" anchor="t" anchorCtr="0">
+            <a:noAutofit/>
+          </a:bodyPr>
+          <a:lstStyle/>
+          <a:p>
+            <a:pPr marL="0" lvl="0" indent="0" algn="l" rtl="0">
+              <a:spcBef>
+                <a:spcPts val="0"/>
+              </a:spcBef>
+              <a:spcAft>
+                <a:spcPts val="0"/>
+              </a:spcAft>
+              <a:buNone/>
+            </a:pPr>
+            <a:r>
+              <a:rPr lang="en" sz="3600" dirty="0">
+                <a:latin typeface="Verdana"/>
+                <a:ea typeface="Verdana"/>
+                <a:cs typeface="Verdana"/>
+                <a:sym typeface="Verdana"/>
+              </a:rPr>
+              <a:t>Contents</a:t>
+            </a:r>
+            <a:endParaRPr sz="3600" dirty="0"/>
+          </a:p>
+        </p:txBody>
+      </p:sp>
+      <p:sp>
+        <p:nvSpPr>
+          <p:cNvPr id="61" name="Google Shape;61;p14"/>
+          <p:cNvSpPr txBox="1">
+            <a:spLocks noGrp="1"/>
+          </p:cNvSpPr>
+          <p:nvPr>
+            <p:ph type="body" idx="1"/>
+          </p:nvPr>
+        </p:nvSpPr>
+        <p:spPr>
+          <a:xfrm>
+            <a:off x="311700" y="1152475"/>
+            <a:ext cx="8520600" cy="3416400"/>
+          </a:xfrm>
+          <a:prstGeom prst="rect">
+            <a:avLst/>
+          </a:prstGeom>
+        </p:spPr>
+        <p:txBody>
+          <a:bodyPr spcFirstLastPara="1" wrap="square" lIns="91425" tIns="91425" rIns="91425" bIns="91425" anchor="t" anchorCtr="0">
+            <a:normAutofit/>
+          </a:bodyPr>
+          <a:lstStyle/>
+          <a:p>
+            <a:pPr marL="457200" lvl="0" indent="-381000" algn="l" rtl="0">
+              <a:spcBef>
+                <a:spcPts val="1200"/>
+              </a:spcBef>
+              <a:spcAft>
+                <a:spcPts val="0"/>
+              </a:spcAft>
+              <a:buClr>
+                <a:schemeClr val="dk1"/>
+              </a:buClr>
+              <a:buSzPts val="2400"/>
+              <a:buChar char="●"/>
+            </a:pPr>
+            <a:r>
+              <a:rPr lang="en-GB" sz="2400" dirty="0">
+                <a:solidFill>
+                  <a:schemeClr val="dk1"/>
+                </a:solidFill>
+                <a:latin typeface="Verdana"/>
+                <a:ea typeface="Verdana"/>
+                <a:cs typeface="Verdana"/>
+                <a:sym typeface="Verdana"/>
+              </a:rPr>
+              <a:t>Simultaneous equations</a:t>
+            </a:r>
+            <a:endParaRPr sz="2400" dirty="0">
+              <a:solidFill>
+                <a:schemeClr val="dk1"/>
+              </a:solidFill>
+              <a:latin typeface="Verdana"/>
+              <a:ea typeface="Verdana"/>
+              <a:cs typeface="Verdana"/>
+              <a:sym typeface="Verdana"/>
+            </a:endParaRPr>
+          </a:p>
+          <a:p>
+            <a:pPr marL="457200" lvl="0" indent="-381000" algn="l" rtl="0">
+              <a:spcBef>
+                <a:spcPts val="0"/>
+              </a:spcBef>
+              <a:spcAft>
+                <a:spcPts val="0"/>
+              </a:spcAft>
+              <a:buClr>
+                <a:schemeClr val="dk1"/>
+              </a:buClr>
+              <a:buSzPts val="2400"/>
+              <a:buChar char="●"/>
+            </a:pPr>
+            <a:r>
+              <a:rPr lang="en-GB" sz="2400" dirty="0">
+                <a:solidFill>
+                  <a:schemeClr val="dk1"/>
+                </a:solidFill>
+                <a:latin typeface="Verdana"/>
+                <a:ea typeface="Verdana"/>
+                <a:cs typeface="Verdana"/>
+                <a:sym typeface="Verdana"/>
+              </a:rPr>
+              <a:t>Quadratic equations</a:t>
+            </a:r>
+          </a:p>
+          <a:p>
+            <a:pPr marL="457200" lvl="0" indent="-381000" algn="l" rtl="0">
+              <a:spcBef>
+                <a:spcPts val="0"/>
+              </a:spcBef>
+              <a:spcAft>
+                <a:spcPts val="0"/>
+              </a:spcAft>
+              <a:buClr>
+                <a:schemeClr val="dk1"/>
+              </a:buClr>
+              <a:buSzPts val="2400"/>
+              <a:buChar char="●"/>
+            </a:pPr>
+            <a:r>
+              <a:rPr lang="en-GB" sz="2400" dirty="0">
+                <a:solidFill>
+                  <a:srgbClr val="FF0000"/>
+                </a:solidFill>
+                <a:latin typeface="Verdana"/>
+                <a:ea typeface="Verdana"/>
+                <a:cs typeface="Verdana"/>
+                <a:sym typeface="Verdana"/>
+              </a:rPr>
+              <a:t>Equations with quotients</a:t>
+            </a:r>
+            <a:endParaRPr sz="2400" dirty="0">
+              <a:solidFill>
+                <a:srgbClr val="FF0000"/>
+              </a:solidFill>
+              <a:latin typeface="Verdana"/>
+              <a:ea typeface="Verdana"/>
+              <a:cs typeface="Verdana"/>
+              <a:sym typeface="Verdana"/>
+            </a:endParaRPr>
+          </a:p>
+          <a:p>
+            <a:pPr marL="457200" lvl="0" indent="0" algn="l" rtl="0">
+              <a:spcBef>
+                <a:spcPts val="1200"/>
+              </a:spcBef>
+              <a:spcAft>
+                <a:spcPts val="0"/>
+              </a:spcAft>
+              <a:buNone/>
+            </a:pPr>
+            <a:endParaRPr sz="2400" dirty="0">
+              <a:solidFill>
+                <a:schemeClr val="dk1"/>
+              </a:solidFill>
+              <a:latin typeface="Verdana"/>
+              <a:ea typeface="Verdana"/>
+              <a:cs typeface="Verdana"/>
+              <a:sym typeface="Verdana"/>
+            </a:endParaRPr>
+          </a:p>
+          <a:p>
+            <a:pPr marL="0" lvl="0" indent="0" algn="l" rtl="0">
+              <a:spcBef>
+                <a:spcPts val="1200"/>
+              </a:spcBef>
+              <a:spcAft>
+                <a:spcPts val="1200"/>
+              </a:spcAft>
+              <a:buNone/>
+            </a:pPr>
+            <a:endParaRPr sz="2400" dirty="0"/>
+          </a:p>
+        </p:txBody>
+      </p:sp>
+    </p:spTree>
+    <p:extLst>
+      <p:ext uri="{BB962C8B-B14F-4D97-AF65-F5344CB8AC3E}">
+        <p14:creationId xmlns:p14="http://schemas.microsoft.com/office/powerpoint/2010/main" val="2933712637"/>
+      </p:ext>
+    </p:extLst>
+  </p:cSld>
+  <p:clrMapOvr>
+    <a:masterClrMapping/>
+  </p:clrMapOvr>
+</p:sld>
+</file>
+
+<file path=ppt/slides/slide11.xml><?xml version="1.0" encoding="utf-8"?>
+<p:sld xmlns:a="http://schemas.openxmlformats.org/drawingml/2006/main" xmlns:r="http://schemas.openxmlformats.org/officeDocument/2006/relationships" xmlns:p="http://schemas.openxmlformats.org/presentationml/2006/main">
+  <p:cSld>
+    <p:spTree>
+      <p:nvGrpSpPr>
+        <p:cNvPr id="1" name="Shape 59"/>
+        <p:cNvGrpSpPr/>
+        <p:nvPr/>
+      </p:nvGrpSpPr>
+      <p:grpSpPr>
+        <a:xfrm>
+          <a:off x="0" y="0"/>
+          <a:ext cx="0" cy="0"/>
+          <a:chOff x="0" y="0"/>
+          <a:chExt cx="0" cy="0"/>
+        </a:xfrm>
+      </p:grpSpPr>
+      <p:sp>
+        <p:nvSpPr>
+          <p:cNvPr id="60" name="Google Shape;60;p14"/>
+          <p:cNvSpPr txBox="1">
+            <a:spLocks noGrp="1"/>
+          </p:cNvSpPr>
+          <p:nvPr>
+            <p:ph type="title"/>
+          </p:nvPr>
+        </p:nvSpPr>
+        <p:spPr>
+          <a:xfrm>
+            <a:off x="311700" y="445025"/>
+            <a:ext cx="8520600" cy="572700"/>
+          </a:xfrm>
+          <a:prstGeom prst="rect">
+            <a:avLst/>
+          </a:prstGeom>
+        </p:spPr>
+        <p:txBody>
+          <a:bodyPr spcFirstLastPara="1" wrap="square" lIns="91425" tIns="91425" rIns="91425" bIns="91425" anchor="t" anchorCtr="0">
+            <a:noAutofit/>
+          </a:bodyPr>
+          <a:lstStyle/>
+          <a:p>
+            <a:pPr marL="0" lvl="0" indent="0" algn="l" rtl="0">
+              <a:spcBef>
+                <a:spcPts val="0"/>
+              </a:spcBef>
+              <a:spcAft>
+                <a:spcPts val="0"/>
+              </a:spcAft>
+              <a:buNone/>
+            </a:pPr>
+            <a:r>
+              <a:rPr lang="en" sz="3600" dirty="0">
+                <a:latin typeface="Verdana"/>
+                <a:ea typeface="Verdana"/>
+                <a:cs typeface="Verdana"/>
+                <a:sym typeface="Verdana"/>
+              </a:rPr>
+              <a:t>Equations with Quotients</a:t>
+            </a:r>
+            <a:endParaRPr sz="3600" dirty="0"/>
+          </a:p>
+        </p:txBody>
+      </p:sp>
+      <p:sp>
+        <p:nvSpPr>
+          <p:cNvPr id="61" name="Google Shape;61;p14"/>
+          <p:cNvSpPr txBox="1">
+            <a:spLocks noGrp="1"/>
+          </p:cNvSpPr>
+          <p:nvPr>
+            <p:ph type="body" idx="1"/>
+          </p:nvPr>
+        </p:nvSpPr>
+        <p:spPr>
+          <a:xfrm>
+            <a:off x="311700" y="1152475"/>
+            <a:ext cx="8520600" cy="3416400"/>
+          </a:xfrm>
+          <a:prstGeom prst="rect">
+            <a:avLst/>
+          </a:prstGeom>
+        </p:spPr>
+        <p:txBody>
+          <a:bodyPr spcFirstLastPara="1" wrap="square" lIns="91425" tIns="91425" rIns="91425" bIns="91425" anchor="t" anchorCtr="0">
+            <a:normAutofit/>
+          </a:bodyPr>
+          <a:lstStyle/>
+          <a:p>
+            <a:pPr marL="457200" lvl="0" indent="0" algn="l" rtl="0">
+              <a:spcBef>
+                <a:spcPts val="1200"/>
+              </a:spcBef>
+              <a:spcAft>
+                <a:spcPts val="0"/>
+              </a:spcAft>
+              <a:buNone/>
+            </a:pPr>
+            <a:endParaRPr sz="2400" dirty="0">
+              <a:solidFill>
+                <a:schemeClr val="dk1"/>
+              </a:solidFill>
+              <a:latin typeface="Verdana"/>
+              <a:ea typeface="Verdana"/>
+              <a:cs typeface="Verdana"/>
+              <a:sym typeface="Verdana"/>
+            </a:endParaRPr>
+          </a:p>
+          <a:p>
+            <a:pPr marL="0" lvl="0" indent="0" algn="l" rtl="0">
+              <a:spcBef>
+                <a:spcPts val="1200"/>
+              </a:spcBef>
+              <a:spcAft>
+                <a:spcPts val="1200"/>
+              </a:spcAft>
+              <a:buNone/>
+            </a:pPr>
+            <a:endParaRPr sz="2400" dirty="0"/>
+          </a:p>
+        </p:txBody>
+      </p:sp>
+      <p:pic>
+        <p:nvPicPr>
+          <p:cNvPr id="3" name="Picture 2" descr="Schematic&#10;&#10;Description automatically generated with medium confidence">
+            <a:extLst>
+              <a:ext uri="{FF2B5EF4-FFF2-40B4-BE49-F238E27FC236}">
+                <a16:creationId xmlns:a16="http://schemas.microsoft.com/office/drawing/2014/main" id="{1E629BAF-6232-4444-BF83-473EAAC23138}"/>
+              </a:ext>
+            </a:extLst>
+          </p:cNvPr>
+          <p:cNvPicPr>
+            <a:picLocks noChangeAspect="1"/>
+          </p:cNvPicPr>
+          <p:nvPr/>
+        </p:nvPicPr>
+        <p:blipFill>
+          <a:blip r:embed="rId3"/>
+          <a:stretch>
+            <a:fillRect/>
+          </a:stretch>
+        </p:blipFill>
+        <p:spPr>
+          <a:xfrm>
+            <a:off x="91472" y="1796634"/>
+            <a:ext cx="4105275" cy="3038475"/>
+          </a:xfrm>
+          <a:prstGeom prst="rect">
+            <a:avLst/>
+          </a:prstGeom>
+        </p:spPr>
+      </p:pic>
+    </p:spTree>
+    <p:extLst>
+      <p:ext uri="{BB962C8B-B14F-4D97-AF65-F5344CB8AC3E}">
+        <p14:creationId xmlns:p14="http://schemas.microsoft.com/office/powerpoint/2010/main" val="3501705938"/>
+      </p:ext>
+    </p:extLst>
+  </p:cSld>
+  <p:clrMapOvr>
+    <a:masterClrMapping/>
+  </p:clrMapOvr>
+</p:sld>
+</file>
+
+<file path=ppt/slides/slide12.xml><?xml version="1.0" encoding="utf-8"?>
+<p:sld xmlns:a="http://schemas.openxmlformats.org/drawingml/2006/main" xmlns:r="http://schemas.openxmlformats.org/officeDocument/2006/relationships" xmlns:p="http://schemas.openxmlformats.org/presentationml/2006/main">
+  <p:cSld>
+    <p:spTree>
+      <p:nvGrpSpPr>
+        <p:cNvPr id="1" name="Shape 98"/>
+        <p:cNvGrpSpPr/>
+        <p:nvPr/>
+      </p:nvGrpSpPr>
+      <p:grpSpPr>
+        <a:xfrm>
+          <a:off x="0" y="0"/>
+          <a:ext cx="0" cy="0"/>
+          <a:chOff x="0" y="0"/>
+          <a:chExt cx="0" cy="0"/>
+        </a:xfrm>
+      </p:grpSpPr>
+      <p:sp>
+        <p:nvSpPr>
+          <p:cNvPr id="99" name="Google Shape;99;p20"/>
+          <p:cNvSpPr txBox="1">
+            <a:spLocks noGrp="1"/>
+          </p:cNvSpPr>
+          <p:nvPr>
+            <p:ph type="ctrTitle"/>
+          </p:nvPr>
+        </p:nvSpPr>
+        <p:spPr>
+          <a:xfrm>
+            <a:off x="311708" y="744575"/>
+            <a:ext cx="8520600" cy="2052600"/>
+          </a:xfrm>
+          <a:prstGeom prst="rect">
+            <a:avLst/>
+          </a:prstGeom>
+        </p:spPr>
+        <p:txBody>
+          <a:bodyPr spcFirstLastPara="1" wrap="square" lIns="91425" tIns="91425" rIns="91425" bIns="91425" anchor="b" anchorCtr="0">
+            <a:normAutofit/>
+          </a:bodyPr>
+          <a:lstStyle/>
+          <a:p>
+            <a:pPr marL="0" lvl="0" indent="0" algn="ctr" rtl="0">
+              <a:spcBef>
+                <a:spcPts val="0"/>
+              </a:spcBef>
+              <a:spcAft>
+                <a:spcPts val="0"/>
+              </a:spcAft>
+              <a:buNone/>
+            </a:pPr>
+            <a:r>
+              <a:rPr lang="en"/>
+              <a:t>Any Questions?</a:t>
+            </a:r>
+            <a:endParaRPr/>
+          </a:p>
+        </p:txBody>
+      </p:sp>
+      <p:sp>
+        <p:nvSpPr>
+          <p:cNvPr id="100" name="Google Shape;100;p20"/>
+          <p:cNvSpPr txBox="1">
+            <a:spLocks noGrp="1"/>
+          </p:cNvSpPr>
+          <p:nvPr>
+            <p:ph type="subTitle" idx="1"/>
+          </p:nvPr>
+        </p:nvSpPr>
+        <p:spPr>
+          <a:xfrm>
+            <a:off x="311700" y="2834125"/>
+            <a:ext cx="8520600" cy="792600"/>
+          </a:xfrm>
+          <a:prstGeom prst="rect">
+            <a:avLst/>
+          </a:prstGeom>
+        </p:spPr>
+        <p:txBody>
+          <a:bodyPr spcFirstLastPara="1" wrap="square" lIns="91425" tIns="91425" rIns="91425" bIns="91425" anchor="t" anchorCtr="0">
+            <a:normAutofit/>
+          </a:bodyPr>
+          <a:lstStyle/>
+          <a:p>
+            <a:pPr marL="0" lvl="0" indent="0" algn="ctr" rtl="0">
+              <a:spcBef>
+                <a:spcPts val="0"/>
+              </a:spcBef>
+              <a:spcAft>
+                <a:spcPts val="0"/>
+              </a:spcAft>
+              <a:buNone/>
+            </a:pPr>
+            <a:r>
+              <a:rPr lang="en"/>
+              <a:t>Let’s do a mini-quiz..[4]</a:t>
+            </a:r>
+            <a:endParaRPr/>
+          </a:p>
+        </p:txBody>
+      </p:sp>
+      <p:cxnSp>
+        <p:nvCxnSpPr>
+          <p:cNvPr id="101" name="Google Shape;101;p20"/>
+          <p:cNvCxnSpPr/>
+          <p:nvPr/>
+        </p:nvCxnSpPr>
+        <p:spPr>
+          <a:xfrm>
+            <a:off x="339675" y="2782025"/>
+            <a:ext cx="8515800" cy="0"/>
+          </a:xfrm>
+          <a:prstGeom prst="straightConnector1">
+            <a:avLst/>
+          </a:prstGeom>
+          <a:noFill/>
+          <a:ln w="9525" cap="flat" cmpd="sng">
+            <a:solidFill>
+              <a:schemeClr val="dk2"/>
+            </a:solidFill>
+            <a:prstDash val="solid"/>
+            <a:round/>
+            <a:headEnd type="none" w="med" len="med"/>
+            <a:tailEnd type="none" w="med" len="med"/>
+          </a:ln>
+        </p:spPr>
+      </p:cxnSp>
+    </p:spTree>
+    <p:extLst>
+      <p:ext uri="{BB962C8B-B14F-4D97-AF65-F5344CB8AC3E}">
+        <p14:creationId xmlns:p14="http://schemas.microsoft.com/office/powerpoint/2010/main" val="3722961867"/>
+      </p:ext>
+    </p:extLst>
   </p:cSld>
   <p:clrMapOvr>
     <a:masterClrMapping/>
@@ -7619,7 +9363,7 @@
               <a:buNone/>
             </a:pPr>
             <a:r>
-              <a:rPr lang="en" sz="3600">
+              <a:rPr lang="en" sz="3600" dirty="0">
                 <a:latin typeface="Verdana"/>
                 <a:ea typeface="Verdana"/>
                 <a:cs typeface="Verdana"/>
@@ -7627,7 +9371,7 @@
               </a:rPr>
               <a:t>Contents</a:t>
             </a:r>
-            <a:endParaRPr sz="3600"/>
+            <a:endParaRPr sz="3600" dirty="0"/>
           </a:p>
         </p:txBody>
       </p:sp>
@@ -7670,7 +9414,7 @@
               <a:buChar char="●"/>
             </a:pPr>
             <a:r>
-              <a:rPr lang="en" sz="2400">
+              <a:rPr lang="en-GB" sz="2400" dirty="0">
                 <a:solidFill>
                   <a:schemeClr val="dk1"/>
                 </a:solidFill>
@@ -7679,9 +9423,9 @@
                 <a:cs typeface="Verdana"/>
                 <a:sym typeface="Verdana"/>
               </a:rPr>
-              <a:t>Define positive and negative numbers</a:t>
+              <a:t>Simultaneous equations</a:t>
             </a:r>
-            <a:endParaRPr sz="2400">
+            <a:endParaRPr sz="2400" dirty="0">
               <a:solidFill>
                 <a:schemeClr val="dk1"/>
               </a:solidFill>
@@ -7706,7 +9450,7 @@
               <a:buChar char="●"/>
             </a:pPr>
             <a:r>
-              <a:rPr lang="en" sz="2400">
+              <a:rPr lang="en-GB" sz="2400" dirty="0">
                 <a:solidFill>
                   <a:schemeClr val="dk1"/>
                 </a:solidFill>
@@ -7715,9 +9459,36 @@
                 <a:cs typeface="Verdana"/>
                 <a:sym typeface="Verdana"/>
               </a:rPr>
-              <a:t>Working with fractions</a:t>
+              <a:t>Quadratic equations</a:t>
             </a:r>
-            <a:endParaRPr sz="2400">
+          </a:p>
+          <a:p>
+            <a:pPr marL="457200" lvl="0" indent="-381000" algn="l" rtl="0">
+              <a:spcBef>
+                <a:spcPts val="0"/>
+              </a:spcBef>
+              <a:spcAft>
+                <a:spcPts val="0"/>
+              </a:spcAft>
+              <a:buClr>
+                <a:schemeClr val="dk1"/>
+              </a:buClr>
+              <a:buSzPts val="2400"/>
+              <a:buChar char="●"/>
+            </a:pPr>
+            <a:r>
+              <a:rPr lang="en-GB" sz="2400" dirty="0">
+                <a:solidFill>
+                  <a:schemeClr val="dk1"/>
+                </a:solidFill>
+                <a:latin typeface="Verdana"/>
+                <a:ea typeface="Verdana"/>
+                <a:cs typeface="Verdana"/>
+                <a:sym typeface="Verdana"/>
+              </a:rPr>
+              <a:t>Equations with quotients</a:t>
+            </a:r>
+            <a:endParaRPr sz="2400" dirty="0">
               <a:solidFill>
                 <a:schemeClr val="dk1"/>
               </a:solidFill>
@@ -7737,7 +9508,7 @@
               </a:spcAft>
               <a:buNone/>
             </a:pPr>
-            <a:endParaRPr sz="2400">
+            <a:endParaRPr sz="2400" dirty="0">
               <a:solidFill>
                 <a:schemeClr val="dk1"/>
               </a:solidFill>
@@ -7757,7 +9528,7 @@
               </a:spcAft>
               <a:buNone/>
             </a:pPr>
-            <a:endParaRPr sz="2400"/>
+            <a:endParaRPr sz="2400" dirty="0"/>
           </a:p>
         </p:txBody>
       </p:sp>
@@ -7774,7 +9545,7 @@
   <p:cSld>
     <p:spTree>
       <p:nvGrpSpPr>
-        <p:cNvPr id="1" name="Shape 65"/>
+        <p:cNvPr id="1" name="Shape 59"/>
         <p:cNvGrpSpPr/>
         <p:nvPr/>
       </p:nvGrpSpPr>
@@ -7788,7 +9559,7 @@
       </p:grpSpPr>
       <p:sp>
         <p:nvSpPr>
-          <p:cNvPr id="66" name="Google Shape;66;p15"/>
+          <p:cNvPr id="60" name="Google Shape;60;p14"/>
           <p:cNvSpPr txBox="1">
             <a:spLocks noGrp="1"/>
           </p:cNvSpPr>
@@ -7821,7 +9592,7 @@
               <a:buNone/>
             </a:pPr>
             <a:r>
-              <a:rPr lang="en" sz="3600">
+              <a:rPr lang="en" sz="3600" dirty="0">
                 <a:latin typeface="Verdana"/>
                 <a:ea typeface="Verdana"/>
                 <a:cs typeface="Verdana"/>
@@ -7829,13 +9600,13 @@
               </a:rPr>
               <a:t>Contents</a:t>
             </a:r>
-            <a:endParaRPr sz="3600"/>
+            <a:endParaRPr sz="3600" dirty="0"/>
           </a:p>
         </p:txBody>
       </p:sp>
       <p:sp>
         <p:nvSpPr>
-          <p:cNvPr id="67" name="Google Shape;67;p15"/>
+          <p:cNvPr id="61" name="Google Shape;61;p14"/>
           <p:cNvSpPr txBox="1">
             <a:spLocks noGrp="1"/>
           </p:cNvSpPr>
@@ -7866,13 +9637,13 @@
                 <a:spcPts val="0"/>
               </a:spcAft>
               <a:buClr>
-                <a:srgbClr val="FF0000"/>
+                <a:schemeClr val="dk1"/>
               </a:buClr>
               <a:buSzPts val="2400"/>
               <a:buChar char="●"/>
             </a:pPr>
             <a:r>
-              <a:rPr lang="en" sz="2400">
+              <a:rPr lang="en-GB" sz="2400" dirty="0">
                 <a:solidFill>
                   <a:srgbClr val="FF0000"/>
                 </a:solidFill>
@@ -7881,9 +9652,9 @@
                 <a:cs typeface="Verdana"/>
                 <a:sym typeface="Verdana"/>
               </a:rPr>
-              <a:t>Define positive and negative numbers</a:t>
+              <a:t>Simultaneous equations</a:t>
             </a:r>
-            <a:endParaRPr sz="2400">
+            <a:endParaRPr sz="2400" dirty="0">
               <a:solidFill>
                 <a:srgbClr val="FF0000"/>
               </a:solidFill>
@@ -7908,7 +9679,7 @@
               <a:buChar char="●"/>
             </a:pPr>
             <a:r>
-              <a:rPr lang="en" sz="2400">
+              <a:rPr lang="en-GB" sz="2400" dirty="0">
                 <a:solidFill>
                   <a:schemeClr val="dk1"/>
                 </a:solidFill>
@@ -7917,9 +9688,36 @@
                 <a:cs typeface="Verdana"/>
                 <a:sym typeface="Verdana"/>
               </a:rPr>
-              <a:t>Working with fractions</a:t>
+              <a:t>Quadratic equations</a:t>
             </a:r>
-            <a:endParaRPr sz="2400">
+          </a:p>
+          <a:p>
+            <a:pPr marL="457200" lvl="0" indent="-381000" algn="l" rtl="0">
+              <a:spcBef>
+                <a:spcPts val="0"/>
+              </a:spcBef>
+              <a:spcAft>
+                <a:spcPts val="0"/>
+              </a:spcAft>
+              <a:buClr>
+                <a:schemeClr val="dk1"/>
+              </a:buClr>
+              <a:buSzPts val="2400"/>
+              <a:buChar char="●"/>
+            </a:pPr>
+            <a:r>
+              <a:rPr lang="en-GB" sz="2400" dirty="0">
+                <a:solidFill>
+                  <a:schemeClr val="dk1"/>
+                </a:solidFill>
+                <a:latin typeface="Verdana"/>
+                <a:ea typeface="Verdana"/>
+                <a:cs typeface="Verdana"/>
+                <a:sym typeface="Verdana"/>
+              </a:rPr>
+              <a:t>Equations with quotients</a:t>
+            </a:r>
+            <a:endParaRPr sz="2400" dirty="0">
               <a:solidFill>
                 <a:schemeClr val="dk1"/>
               </a:solidFill>
@@ -7939,7 +9737,7 @@
               </a:spcAft>
               <a:buNone/>
             </a:pPr>
-            <a:endParaRPr sz="2400">
+            <a:endParaRPr sz="2400" dirty="0">
               <a:solidFill>
                 <a:schemeClr val="dk1"/>
               </a:solidFill>
@@ -7959,11 +9757,16 @@
               </a:spcAft>
               <a:buNone/>
             </a:pPr>
-            <a:endParaRPr sz="2400"/>
+            <a:endParaRPr sz="2400" dirty="0"/>
           </a:p>
         </p:txBody>
       </p:sp>
     </p:spTree>
+    <p:extLst>
+      <p:ext uri="{BB962C8B-B14F-4D97-AF65-F5344CB8AC3E}">
+        <p14:creationId xmlns:p14="http://schemas.microsoft.com/office/powerpoint/2010/main" val="2493889536"/>
+      </p:ext>
+    </p:extLst>
   </p:cSld>
   <p:clrMapOvr>
     <a:masterClrMapping/>
@@ -8023,46 +9826,18 @@
               <a:buNone/>
             </a:pPr>
             <a:r>
-              <a:rPr lang="en" sz="3600">
+              <a:rPr lang="en" sz="3600" dirty="0">
                 <a:latin typeface="Verdana"/>
                 <a:ea typeface="Verdana"/>
                 <a:cs typeface="Verdana"/>
                 <a:sym typeface="Verdana"/>
               </a:rPr>
-              <a:t>Positive and negative numbers</a:t>
+              <a:t>Methods to solve simultaneous equations</a:t>
             </a:r>
-            <a:endParaRPr sz="3600"/>
+            <a:endParaRPr sz="3600" dirty="0"/>
           </a:p>
         </p:txBody>
       </p:sp>
-      <p:pic>
-        <p:nvPicPr>
-          <p:cNvPr id="73" name="Google Shape;73;p16"/>
-          <p:cNvPicPr preferRelativeResize="0"/>
-          <p:nvPr/>
-        </p:nvPicPr>
-        <p:blipFill>
-          <a:blip r:embed="rId3">
-            <a:alphaModFix/>
-          </a:blip>
-          <a:stretch>
-            <a:fillRect/>
-          </a:stretch>
-        </p:blipFill>
-        <p:spPr>
-          <a:xfrm>
-            <a:off x="152400" y="1347725"/>
-            <a:ext cx="8839200" cy="822599"/>
-          </a:xfrm>
-          <a:prstGeom prst="rect">
-            <a:avLst/>
-          </a:prstGeom>
-          <a:noFill/>
-          <a:ln>
-            <a:noFill/>
-          </a:ln>
-        </p:spPr>
-      </p:pic>
       <p:sp>
         <p:nvSpPr>
           <p:cNvPr id="74" name="Google Shape;74;p16"/>
@@ -8099,10 +9874,9 @@
               <a:buChar char="●"/>
             </a:pPr>
             <a:r>
-              <a:rPr lang="en"/>
-              <a:t>In a number line</a:t>
+              <a:rPr lang="en-GB" dirty="0"/>
+              <a:t>Substitution</a:t>
             </a:r>
-            <a:endParaRPr/>
           </a:p>
           <a:p>
             <a:pPr marL="457200" lvl="0" indent="-342900" algn="l" rtl="0">
@@ -8116,10 +9890,9 @@
               <a:buChar char="●"/>
             </a:pPr>
             <a:r>
-              <a:rPr lang="en"/>
-              <a:t>Positive Numbers appear on the Right side of zero (0)</a:t>
+              <a:rPr lang="en-GB" dirty="0"/>
+              <a:t>Elimination</a:t>
             </a:r>
-            <a:endParaRPr/>
           </a:p>
           <a:p>
             <a:pPr marL="457200" lvl="0" indent="-342900" algn="l" rtl="0">
@@ -8133,10 +9906,10 @@
               <a:buChar char="●"/>
             </a:pPr>
             <a:r>
-              <a:rPr lang="en"/>
-              <a:t>Negative numbers appear on the left side of zero (0)</a:t>
+              <a:rPr lang="en-GB" dirty="0"/>
+              <a:t>Matrix (Linear algebra) methods (not applicable at this level)</a:t>
             </a:r>
-            <a:endParaRPr/>
+            <a:endParaRPr dirty="0"/>
           </a:p>
           <a:p>
             <a:pPr marL="457200" lvl="0" indent="0" algn="l" rtl="0">
@@ -8148,7 +9921,7 @@
               </a:spcAft>
               <a:buNone/>
             </a:pPr>
-            <a:endParaRPr/>
+            <a:endParaRPr dirty="0"/>
           </a:p>
         </p:txBody>
       </p:sp>
@@ -8398,7 +10171,7 @@
               <a:buChar char="●"/>
             </a:pPr>
             <a:r>
-              <a:rPr lang="en" sz="2400">
+              <a:rPr lang="en-GB" sz="2400" dirty="0">
                 <a:solidFill>
                   <a:srgbClr val="000000"/>
                 </a:solidFill>
@@ -8407,9 +10180,9 @@
                 <a:cs typeface="Verdana"/>
                 <a:sym typeface="Verdana"/>
               </a:rPr>
-              <a:t>Define positive and negative numbers</a:t>
+              <a:t>Simultaneous equations</a:t>
             </a:r>
-            <a:endParaRPr sz="2400">
+            <a:endParaRPr sz="2400" dirty="0">
               <a:solidFill>
                 <a:srgbClr val="000000"/>
               </a:solidFill>
@@ -8434,7 +10207,7 @@
               <a:buChar char="●"/>
             </a:pPr>
             <a:r>
-              <a:rPr lang="en" sz="2400">
+              <a:rPr lang="en-GB" sz="2400" dirty="0">
                 <a:solidFill>
                   <a:srgbClr val="FF0000"/>
                 </a:solidFill>
@@ -8443,11 +10216,49 @@
                 <a:cs typeface="Verdana"/>
                 <a:sym typeface="Verdana"/>
               </a:rPr>
-              <a:t>Working with fractions [3]</a:t>
+              <a:t>Quadratic equations</a:t>
             </a:r>
-            <a:endParaRPr sz="2400">
+          </a:p>
+          <a:p>
+            <a:pPr marL="457200" lvl="0" indent="-381000" algn="l" rtl="0">
+              <a:spcBef>
+                <a:spcPts val="1200"/>
+              </a:spcBef>
+              <a:spcAft>
+                <a:spcPts val="0"/>
+              </a:spcAft>
+              <a:buClr>
+                <a:srgbClr val="000000"/>
+              </a:buClr>
+              <a:buSzPts val="2400"/>
+              <a:buChar char="●"/>
+            </a:pPr>
+            <a:r>
+              <a:rPr lang="en-GB" sz="2400" dirty="0">
+                <a:solidFill>
+                  <a:srgbClr val="000000"/>
+                </a:solidFill>
+                <a:latin typeface="Verdana"/>
+                <a:ea typeface="Verdana"/>
+                <a:cs typeface="Verdana"/>
+                <a:sym typeface="Verdana"/>
+              </a:rPr>
+              <a:t>Equations with quotients</a:t>
+            </a:r>
+          </a:p>
+          <a:p>
+            <a:pPr marL="457200" lvl="0" indent="0" algn="l" rtl="0">
+              <a:spcBef>
+                <a:spcPts val="1200"/>
+              </a:spcBef>
+              <a:spcAft>
+                <a:spcPts val="0"/>
+              </a:spcAft>
+              <a:buNone/>
+            </a:pPr>
+            <a:endParaRPr sz="2400" dirty="0">
               <a:solidFill>
-                <a:srgbClr val="FF0000"/>
+                <a:schemeClr val="dk1"/>
               </a:solidFill>
               <a:latin typeface="Verdana"/>
               <a:ea typeface="Verdana"/>
@@ -8456,36 +10267,16 @@
             </a:endParaRPr>
           </a:p>
           <a:p>
-            <a:pPr marL="457200" lvl="0" indent="0" algn="l" rtl="0">
+            <a:pPr marL="0" lvl="0" indent="0" algn="l" rtl="0">
               <a:spcBef>
                 <a:spcPts val="1200"/>
               </a:spcBef>
               <a:spcAft>
-                <a:spcPts val="0"/>
+                <a:spcPts val="1200"/>
               </a:spcAft>
               <a:buNone/>
             </a:pPr>
-            <a:endParaRPr sz="2400">
-              <a:solidFill>
-                <a:schemeClr val="dk1"/>
-              </a:solidFill>
-              <a:latin typeface="Verdana"/>
-              <a:ea typeface="Verdana"/>
-              <a:cs typeface="Verdana"/>
-              <a:sym typeface="Verdana"/>
-            </a:endParaRPr>
-          </a:p>
-          <a:p>
-            <a:pPr marL="0" lvl="0" indent="0" algn="l" rtl="0">
-              <a:spcBef>
-                <a:spcPts val="1200"/>
-              </a:spcBef>
-              <a:spcAft>
-                <a:spcPts val="1200"/>
-              </a:spcAft>
-              <a:buNone/>
-            </a:pPr>
-            <a:endParaRPr sz="2400"/>
+            <a:endParaRPr sz="2400" dirty="0"/>
           </a:p>
         </p:txBody>
       </p:sp>
@@ -8526,7 +10317,7 @@
         </p:nvSpPr>
         <p:spPr>
           <a:xfrm>
-            <a:off x="152400" y="453100"/>
+            <a:off x="152400" y="127284"/>
             <a:ext cx="8520600" cy="572700"/>
           </a:xfrm>
           <a:prstGeom prst="rect">
@@ -8549,22 +10340,28 @@
               <a:buNone/>
             </a:pPr>
             <a:r>
-              <a:rPr lang="en" sz="3600">
+              <a:rPr lang="en" sz="3600" dirty="0">
                 <a:latin typeface="Verdana"/>
                 <a:ea typeface="Verdana"/>
                 <a:cs typeface="Verdana"/>
                 <a:sym typeface="Verdana"/>
               </a:rPr>
-              <a:t>Equivalent Fractions</a:t>
+              <a:t>Quadratic Equations Methods</a:t>
             </a:r>
-            <a:endParaRPr sz="3600"/>
+            <a:endParaRPr sz="3600" dirty="0"/>
           </a:p>
         </p:txBody>
       </p:sp>
       <p:sp>
         <p:nvSpPr>
-          <p:cNvPr id="93" name="Google Shape;93;p19"/>
-          <p:cNvSpPr txBox="1">
+          <p:cNvPr id="3" name="Text Placeholder 2">
+            <a:extLst>
+              <a:ext uri="{FF2B5EF4-FFF2-40B4-BE49-F238E27FC236}">
+                <a16:creationId xmlns:a16="http://schemas.microsoft.com/office/drawing/2014/main" id="{40DFB354-C116-45EC-AF12-EA9217A092CA}"/>
+              </a:ext>
+            </a:extLst>
+          </p:cNvPr>
+          <p:cNvSpPr>
             <a:spLocks noGrp="1"/>
           </p:cNvSpPr>
           <p:nvPr>
@@ -8573,8 +10370,116 @@
         </p:nvSpPr>
         <p:spPr>
           <a:xfrm>
-            <a:off x="259900" y="3789175"/>
-            <a:ext cx="8520600" cy="1179300"/>
+            <a:off x="311700" y="826659"/>
+            <a:ext cx="8520600" cy="3416400"/>
+          </a:xfrm>
+        </p:spPr>
+        <p:txBody>
+          <a:bodyPr/>
+          <a:lstStyle/>
+          <a:p>
+            <a:r>
+              <a:rPr lang="en-GB" dirty="0"/>
+              <a:t>Factorisation</a:t>
+            </a:r>
+          </a:p>
+          <a:p>
+            <a:r>
+              <a:rPr lang="en-GB" dirty="0">
+                <a:solidFill>
+                  <a:srgbClr val="FF0000"/>
+                </a:solidFill>
+              </a:rPr>
+              <a:t>Completing the square</a:t>
+            </a:r>
+          </a:p>
+          <a:p>
+            <a:r>
+              <a:rPr lang="en-GB" dirty="0"/>
+              <a:t>Quadratic formula</a:t>
+            </a:r>
+          </a:p>
+          <a:p>
+            <a:r>
+              <a:rPr lang="en-GB" dirty="0"/>
+              <a:t>Graphing method</a:t>
+            </a:r>
+          </a:p>
+        </p:txBody>
+      </p:sp>
+      <p:pic>
+        <p:nvPicPr>
+          <p:cNvPr id="9" name="Picture 8">
+            <a:extLst>
+              <a:ext uri="{FF2B5EF4-FFF2-40B4-BE49-F238E27FC236}">
+                <a16:creationId xmlns:a16="http://schemas.microsoft.com/office/drawing/2014/main" id="{BAED9093-3E9C-4183-9DE0-92C146FBD473}"/>
+              </a:ext>
+            </a:extLst>
+          </p:cNvPr>
+          <p:cNvPicPr>
+            <a:picLocks noChangeAspect="1"/>
+          </p:cNvPicPr>
+          <p:nvPr/>
+        </p:nvPicPr>
+        <p:blipFill rotWithShape="1">
+          <a:blip r:embed="rId3"/>
+          <a:srcRect r="55706" b="95832"/>
+          <a:stretch/>
+        </p:blipFill>
+        <p:spPr>
+          <a:xfrm>
+            <a:off x="1010695" y="2222451"/>
+            <a:ext cx="2815071" cy="214358"/>
+          </a:xfrm>
+          <a:prstGeom prst="rect">
+            <a:avLst/>
+          </a:prstGeom>
+        </p:spPr>
+      </p:pic>
+    </p:spTree>
+    <p:extLst>
+      <p:ext uri="{BB962C8B-B14F-4D97-AF65-F5344CB8AC3E}">
+        <p14:creationId xmlns:p14="http://schemas.microsoft.com/office/powerpoint/2010/main" val="2730596555"/>
+      </p:ext>
+    </p:extLst>
+  </p:cSld>
+  <p:clrMapOvr>
+    <a:masterClrMapping/>
+  </p:clrMapOvr>
+</p:sld>
+</file>
+
+<file path=ppt/slides/slide8.xml><?xml version="1.0" encoding="utf-8"?>
+<p:sld xmlns:a="http://schemas.openxmlformats.org/drawingml/2006/main" xmlns:r="http://schemas.openxmlformats.org/officeDocument/2006/relationships" xmlns:p="http://schemas.openxmlformats.org/presentationml/2006/main">
+  <p:cSld>
+    <p:spTree>
+      <p:nvGrpSpPr>
+        <p:cNvPr id="1" name="Shape 91"/>
+        <p:cNvGrpSpPr/>
+        <p:nvPr/>
+      </p:nvGrpSpPr>
+      <p:grpSpPr>
+        <a:xfrm>
+          <a:off x="0" y="0"/>
+          <a:ext cx="0" cy="0"/>
+          <a:chOff x="0" y="0"/>
+          <a:chExt cx="0" cy="0"/>
+        </a:xfrm>
+      </p:grpSpPr>
+      <p:sp>
+        <p:nvSpPr>
+          <p:cNvPr id="92" name="Google Shape;92;p19"/>
+          <p:cNvSpPr txBox="1">
+            <a:spLocks noGrp="1"/>
+          </p:cNvSpPr>
+          <p:nvPr>
+            <p:ph type="title"/>
+          </p:nvPr>
+        </p:nvSpPr>
+        <p:spPr>
+          <a:xfrm>
+            <a:off x="152400" y="127284"/>
+            <a:ext cx="8520600" cy="572700"/>
           </a:xfrm>
           <a:prstGeom prst="rect">
             <a:avLst/>
@@ -8582,88 +10487,59 @@
         </p:spPr>
         <p:txBody>
           <a:bodyPr spcFirstLastPara="1" wrap="square" lIns="91425" tIns="91425" rIns="91425" bIns="91425" anchor="t" anchorCtr="0">
-            <a:normAutofit/>
+            <a:noAutofit/>
           </a:bodyPr>
           <a:lstStyle/>
           <a:p>
-            <a:pPr marL="457200" lvl="0" indent="-342900" algn="l" rtl="0">
-              <a:spcBef>
-                <a:spcPts val="0"/>
-              </a:spcBef>
-              <a:spcAft>
-                <a:spcPts val="0"/>
-              </a:spcAft>
-              <a:buSzPts val="1800"/>
-              <a:buChar char="●"/>
+            <a:pPr marL="0" lvl="0" indent="0" algn="l" rtl="0">
+              <a:spcBef>
+                <a:spcPts val="0"/>
+              </a:spcBef>
+              <a:spcAft>
+                <a:spcPts val="0"/>
+              </a:spcAft>
+              <a:buNone/>
             </a:pPr>
             <a:r>
-              <a:rPr lang="en"/>
-              <a:t>Positive Numbers appear on the Right side of zero (0)</a:t>
+              <a:rPr lang="en" sz="3600" dirty="0">
+                <a:latin typeface="Verdana"/>
+                <a:ea typeface="Verdana"/>
+                <a:cs typeface="Verdana"/>
+                <a:sym typeface="Verdana"/>
+              </a:rPr>
+              <a:t>Quadratic Equations Methods</a:t>
             </a:r>
-            <a:endParaRPr/>
-          </a:p>
-          <a:p>
-            <a:pPr marL="457200" lvl="0" indent="-342900" algn="l" rtl="0">
-              <a:spcBef>
-                <a:spcPts val="0"/>
-              </a:spcBef>
-              <a:spcAft>
-                <a:spcPts val="0"/>
-              </a:spcAft>
-              <a:buSzPts val="1800"/>
-              <a:buChar char="●"/>
-            </a:pPr>
-            <a:r>
-              <a:rPr lang="en"/>
-              <a:t>Negative numbers appear on the left side of zero (0)</a:t>
-            </a:r>
-            <a:endParaRPr/>
-          </a:p>
-          <a:p>
-            <a:pPr marL="457200" lvl="0" indent="-342900" algn="l" rtl="0">
-              <a:spcBef>
-                <a:spcPts val="0"/>
-              </a:spcBef>
-              <a:spcAft>
-                <a:spcPts val="0"/>
-              </a:spcAft>
-              <a:buSzPts val="1800"/>
-              <a:buChar char="●"/>
-            </a:pPr>
-            <a:r>
-              <a:rPr lang="en"/>
-              <a:t>In a number line</a:t>
-            </a:r>
-            <a:endParaRPr/>
+            <a:endParaRPr sz="3600" dirty="0"/>
           </a:p>
         </p:txBody>
       </p:sp>
       <p:pic>
         <p:nvPicPr>
-          <p:cNvPr id="94" name="Google Shape;94;p19"/>
-          <p:cNvPicPr preferRelativeResize="0"/>
+          <p:cNvPr id="5" name="Picture 4">
+            <a:extLst>
+              <a:ext uri="{FF2B5EF4-FFF2-40B4-BE49-F238E27FC236}">
+                <a16:creationId xmlns:a16="http://schemas.microsoft.com/office/drawing/2014/main" id="{9EC6707E-9032-480D-A76D-4AE09B786E67}"/>
+              </a:ext>
+            </a:extLst>
+          </p:cNvPr>
+          <p:cNvPicPr>
+            <a:picLocks noChangeAspect="1"/>
+          </p:cNvPicPr>
           <p:nvPr/>
         </p:nvPicPr>
-        <p:blipFill>
-          <a:blip r:embed="rId3">
-            <a:alphaModFix/>
-          </a:blip>
-          <a:stretch>
-            <a:fillRect/>
-          </a:stretch>
+        <p:blipFill rotWithShape="1">
+          <a:blip r:embed="rId3"/>
+          <a:srcRect t="43811" r="22357" b="2475"/>
+          <a:stretch/>
         </p:blipFill>
         <p:spPr>
           <a:xfrm>
-            <a:off x="152400" y="1170125"/>
-            <a:ext cx="8898675" cy="2336050"/>
+            <a:off x="1294241" y="1471448"/>
+            <a:ext cx="5674124" cy="3176902"/>
           </a:xfrm>
           <a:prstGeom prst="rect">
             <a:avLst/>
           </a:prstGeom>
-          <a:noFill/>
-          <a:ln>
-            <a:noFill/>
-          </a:ln>
         </p:spPr>
       </p:pic>
     </p:spTree>
@@ -8674,7 +10550,7 @@
 </p:sld>
 </file>
 
-<file path=ppt/slides/slide8.xml><?xml version="1.0" encoding="utf-8"?>
+<file path=ppt/slides/slide9.xml><?xml version="1.0" encoding="utf-8"?>
 <p:sld xmlns:a="http://schemas.openxmlformats.org/drawingml/2006/main" xmlns:r="http://schemas.openxmlformats.org/officeDocument/2006/relationships" xmlns:p="http://schemas.openxmlformats.org/presentationml/2006/main">
   <p:cSld>
     <p:spTree>
